--- a/gitLab - tutorial - git.pptx
+++ b/gitLab - tutorial - git.pptx
@@ -5,7 +5,7 @@
     <p:sldMasterId id="2147483648" r:id="rId1"/>
   </p:sldMasterIdLst>
   <p:notesMasterIdLst>
-    <p:notesMasterId r:id="rId26"/>
+    <p:notesMasterId r:id="rId27"/>
   </p:notesMasterIdLst>
   <p:sldIdLst>
     <p:sldId id="256" r:id="rId2"/>
@@ -15,23 +15,24 @@
     <p:sldId id="262" r:id="rId6"/>
     <p:sldId id="265" r:id="rId7"/>
     <p:sldId id="261" r:id="rId8"/>
-    <p:sldId id="263" r:id="rId9"/>
-    <p:sldId id="264" r:id="rId10"/>
-    <p:sldId id="270" r:id="rId11"/>
-    <p:sldId id="271" r:id="rId12"/>
-    <p:sldId id="296" r:id="rId13"/>
-    <p:sldId id="266" r:id="rId14"/>
-    <p:sldId id="295" r:id="rId15"/>
-    <p:sldId id="272" r:id="rId16"/>
-    <p:sldId id="267" r:id="rId17"/>
-    <p:sldId id="268" r:id="rId18"/>
-    <p:sldId id="284" r:id="rId19"/>
-    <p:sldId id="285" r:id="rId20"/>
-    <p:sldId id="286" r:id="rId21"/>
-    <p:sldId id="291" r:id="rId22"/>
-    <p:sldId id="292" r:id="rId23"/>
-    <p:sldId id="277" r:id="rId24"/>
-    <p:sldId id="259" r:id="rId25"/>
+    <p:sldId id="297" r:id="rId9"/>
+    <p:sldId id="298" r:id="rId10"/>
+    <p:sldId id="299" r:id="rId11"/>
+    <p:sldId id="300" r:id="rId12"/>
+    <p:sldId id="270" r:id="rId13"/>
+    <p:sldId id="271" r:id="rId14"/>
+    <p:sldId id="296" r:id="rId15"/>
+    <p:sldId id="295" r:id="rId16"/>
+    <p:sldId id="272" r:id="rId17"/>
+    <p:sldId id="267" r:id="rId18"/>
+    <p:sldId id="268" r:id="rId19"/>
+    <p:sldId id="284" r:id="rId20"/>
+    <p:sldId id="285" r:id="rId21"/>
+    <p:sldId id="286" r:id="rId22"/>
+    <p:sldId id="291" r:id="rId23"/>
+    <p:sldId id="292" r:id="rId24"/>
+    <p:sldId id="277" r:id="rId25"/>
+    <p:sldId id="259" r:id="rId26"/>
   </p:sldIdLst>
   <p:sldSz cx="9144000" cy="5143500" type="screen16x9"/>
   <p:notesSz cx="6858000" cy="9144000"/>
@@ -215,7 +216,7 @@
           <a:p>
             <a:fld id="{F4CC630C-9AF6-49E5-9919-D038F5C57BFC}" type="datetimeFigureOut">
               <a:rPr lang="en-US" smtClean="0"/>
-              <a:t>3/12/2021</a:t>
+              <a:t>3/15/2021</a:t>
             </a:fld>
             <a:endParaRPr lang="en-US"/>
           </a:p>
@@ -664,7 +665,7 @@
           <a:p>
             <a:fld id="{F19922E3-32CA-40BB-949D-A04DA951D7AE}" type="datetimeFigureOut">
               <a:rPr lang="en-US" smtClean="0"/>
-              <a:t>3/12/2021</a:t>
+              <a:t>3/15/2021</a:t>
             </a:fld>
             <a:endParaRPr lang="en-US"/>
           </a:p>
@@ -834,7 +835,7 @@
           <a:p>
             <a:fld id="{F19922E3-32CA-40BB-949D-A04DA951D7AE}" type="datetimeFigureOut">
               <a:rPr lang="en-US" smtClean="0"/>
-              <a:t>3/12/2021</a:t>
+              <a:t>3/15/2021</a:t>
             </a:fld>
             <a:endParaRPr lang="en-US"/>
           </a:p>
@@ -1014,7 +1015,7 @@
           <a:p>
             <a:fld id="{F19922E3-32CA-40BB-949D-A04DA951D7AE}" type="datetimeFigureOut">
               <a:rPr lang="en-US" smtClean="0"/>
-              <a:t>3/12/2021</a:t>
+              <a:t>3/15/2021</a:t>
             </a:fld>
             <a:endParaRPr lang="en-US"/>
           </a:p>
@@ -1184,7 +1185,7 @@
           <a:p>
             <a:fld id="{F19922E3-32CA-40BB-949D-A04DA951D7AE}" type="datetimeFigureOut">
               <a:rPr lang="en-US" smtClean="0"/>
-              <a:t>3/12/2021</a:t>
+              <a:t>3/15/2021</a:t>
             </a:fld>
             <a:endParaRPr lang="en-US"/>
           </a:p>
@@ -1430,7 +1431,7 @@
           <a:p>
             <a:fld id="{F19922E3-32CA-40BB-949D-A04DA951D7AE}" type="datetimeFigureOut">
               <a:rPr lang="en-US" smtClean="0"/>
-              <a:t>3/12/2021</a:t>
+              <a:t>3/15/2021</a:t>
             </a:fld>
             <a:endParaRPr lang="en-US"/>
           </a:p>
@@ -1718,7 +1719,7 @@
           <a:p>
             <a:fld id="{F19922E3-32CA-40BB-949D-A04DA951D7AE}" type="datetimeFigureOut">
               <a:rPr lang="en-US" smtClean="0"/>
-              <a:t>3/12/2021</a:t>
+              <a:t>3/15/2021</a:t>
             </a:fld>
             <a:endParaRPr lang="en-US"/>
           </a:p>
@@ -2145,7 +2146,7 @@
           <a:p>
             <a:fld id="{F19922E3-32CA-40BB-949D-A04DA951D7AE}" type="datetimeFigureOut">
               <a:rPr lang="en-US" smtClean="0"/>
-              <a:t>3/12/2021</a:t>
+              <a:t>3/15/2021</a:t>
             </a:fld>
             <a:endParaRPr lang="en-US"/>
           </a:p>
@@ -2263,7 +2264,7 @@
           <a:p>
             <a:fld id="{F19922E3-32CA-40BB-949D-A04DA951D7AE}" type="datetimeFigureOut">
               <a:rPr lang="en-US" smtClean="0"/>
-              <a:t>3/12/2021</a:t>
+              <a:t>3/15/2021</a:t>
             </a:fld>
             <a:endParaRPr lang="en-US"/>
           </a:p>
@@ -2358,7 +2359,7 @@
           <a:p>
             <a:fld id="{F19922E3-32CA-40BB-949D-A04DA951D7AE}" type="datetimeFigureOut">
               <a:rPr lang="en-US" smtClean="0"/>
-              <a:t>3/12/2021</a:t>
+              <a:t>3/15/2021</a:t>
             </a:fld>
             <a:endParaRPr lang="en-US"/>
           </a:p>
@@ -2635,7 +2636,7 @@
           <a:p>
             <a:fld id="{F19922E3-32CA-40BB-949D-A04DA951D7AE}" type="datetimeFigureOut">
               <a:rPr lang="en-US" smtClean="0"/>
-              <a:t>3/12/2021</a:t>
+              <a:t>3/15/2021</a:t>
             </a:fld>
             <a:endParaRPr lang="en-US"/>
           </a:p>
@@ -2888,7 +2889,7 @@
           <a:p>
             <a:fld id="{F19922E3-32CA-40BB-949D-A04DA951D7AE}" type="datetimeFigureOut">
               <a:rPr lang="en-US" smtClean="0"/>
-              <a:t>3/12/2021</a:t>
+              <a:t>3/15/2021</a:t>
             </a:fld>
             <a:endParaRPr lang="en-US"/>
           </a:p>
@@ -3110,7 +3111,7 @@
           <a:p>
             <a:fld id="{F19922E3-32CA-40BB-949D-A04DA951D7AE}" type="datetimeFigureOut">
               <a:rPr lang="en-US" smtClean="0"/>
-              <a:t>3/12/2021</a:t>
+              <a:t>3/15/2021</a:t>
             </a:fld>
             <a:endParaRPr lang="en-US"/>
           </a:p>
@@ -3527,21 +3528,7 @@
                 <a:latin typeface="Verdana" panose="020B0604030504040204" pitchFamily="34" charset="0"/>
                 <a:ea typeface="Verdana" panose="020B0604030504040204" pitchFamily="34" charset="0"/>
               </a:rPr>
-              <a:t>Rozwój </a:t>
-            </a:r>
-            <a:r>
-              <a:rPr lang="pl-PL" sz="1100" dirty="0" smtClean="0">
-                <a:latin typeface="Verdana" panose="020B0604030504040204" pitchFamily="34" charset="0"/>
-                <a:ea typeface="Verdana" panose="020B0604030504040204" pitchFamily="34" charset="0"/>
-              </a:rPr>
-              <a:t>oprogramowania dla </a:t>
-            </a:r>
-            <a:r>
-              <a:rPr lang="pl-PL" sz="1100" dirty="0" smtClean="0">
-                <a:latin typeface="Verdana" panose="020B0604030504040204" pitchFamily="34" charset="0"/>
-                <a:ea typeface="Verdana" panose="020B0604030504040204" pitchFamily="34" charset="0"/>
-              </a:rPr>
-              <a:t>żółtodziobów</a:t>
+              <a:t>Rozwój oprogramowania dla żółtodziobów</a:t>
             </a:r>
             <a:r>
               <a:rPr lang="pl-PL" sz="1400" dirty="0" smtClean="0">
@@ -3685,147 +3672,139 @@
             </a:pPr>
             <a:r>
               <a:rPr lang="pl-PL" sz="1800" b="1" dirty="0" smtClean="0"/>
-              <a:t>Konfiguracja Git</a:t>
-            </a:r>
-          </a:p>
-          <a:p>
-            <a:pPr marL="0" indent="0">
-              <a:buNone/>
-            </a:pPr>
-            <a:endParaRPr lang="pl-PL" sz="1800" b="1" dirty="0" smtClean="0"/>
-          </a:p>
-          <a:p>
-            <a:pPr marL="400050" lvl="1" indent="0">
-              <a:buNone/>
-            </a:pPr>
-            <a:r>
-              <a:rPr lang="pl-PL" sz="600" dirty="0">
-                <a:hlinkClick r:id="rId2"/>
-              </a:rPr>
-              <a:t>https://</a:t>
-            </a:r>
-            <a:r>
-              <a:rPr lang="pl-PL" sz="600" dirty="0" smtClean="0">
-                <a:hlinkClick r:id="rId2"/>
-              </a:rPr>
-              <a:t>www.atlassian.com/git/tutorials/setting-up-a-repository/git-config</a:t>
-            </a:r>
-            <a:endParaRPr lang="pl-PL" sz="600" dirty="0" smtClean="0"/>
-          </a:p>
-          <a:p>
-            <a:pPr lvl="1">
-              <a:buFont typeface="Wingdings" panose="05000000000000000000" pitchFamily="2" charset="2"/>
-              <a:buChar char="§"/>
-            </a:pPr>
-            <a:r>
-              <a:rPr lang="fr-FR" sz="800" dirty="0"/>
-              <a:t>git --version</a:t>
-            </a:r>
-          </a:p>
-          <a:p>
-            <a:pPr lvl="1">
-              <a:buFont typeface="Wingdings" panose="05000000000000000000" pitchFamily="2" charset="2"/>
-              <a:buChar char="§"/>
-            </a:pPr>
-            <a:r>
-              <a:rPr lang="fr-FR" sz="800" dirty="0"/>
-              <a:t>git config </a:t>
-            </a:r>
-            <a:r>
-              <a:rPr lang="fr-FR" sz="800" dirty="0" smtClean="0"/>
-              <a:t>–list</a:t>
-            </a:r>
-            <a:endParaRPr lang="pl-PL" sz="800" dirty="0" smtClean="0"/>
-          </a:p>
-          <a:p>
-            <a:pPr marL="457200" lvl="1" indent="0">
-              <a:buNone/>
-            </a:pPr>
-            <a:r>
-              <a:rPr lang="pl-PL" sz="800" dirty="0" smtClean="0"/>
-              <a:t>GitLab </a:t>
-            </a:r>
-            <a:endParaRPr lang="pl-PL" sz="800" dirty="0"/>
-          </a:p>
-          <a:p>
-            <a:pPr lvl="1">
-              <a:buFont typeface="Wingdings" panose="05000000000000000000" pitchFamily="2" charset="2"/>
-              <a:buChar char="§"/>
-            </a:pPr>
-            <a:r>
-              <a:rPr lang="en-US" sz="800" dirty="0" err="1"/>
-              <a:t>git</a:t>
-            </a:r>
-            <a:r>
-              <a:rPr lang="en-US" sz="800" dirty="0"/>
-              <a:t> </a:t>
-            </a:r>
-            <a:r>
-              <a:rPr lang="en-US" sz="800" dirty="0" err="1"/>
-              <a:t>config</a:t>
-            </a:r>
-            <a:r>
-              <a:rPr lang="en-US" sz="800" dirty="0"/>
-              <a:t> --global user.name "Your </a:t>
-            </a:r>
-            <a:r>
-              <a:rPr lang="en-US" sz="800" dirty="0" smtClean="0"/>
-              <a:t>Name</a:t>
-            </a:r>
-            <a:r>
-              <a:rPr lang="pl-PL" sz="800" dirty="0" smtClean="0"/>
-              <a:t>”</a:t>
-            </a:r>
-          </a:p>
-          <a:p>
-            <a:pPr lvl="1">
-              <a:buFont typeface="Wingdings" panose="05000000000000000000" pitchFamily="2" charset="2"/>
-              <a:buChar char="§"/>
-            </a:pPr>
-            <a:r>
-              <a:rPr lang="en-US" sz="800" dirty="0" err="1" smtClean="0"/>
-              <a:t>git</a:t>
-            </a:r>
-            <a:r>
-              <a:rPr lang="en-US" sz="800" dirty="0" smtClean="0"/>
-              <a:t> </a:t>
-            </a:r>
-            <a:r>
-              <a:rPr lang="en-US" sz="800" dirty="0" err="1"/>
-              <a:t>config</a:t>
-            </a:r>
-            <a:r>
-              <a:rPr lang="en-US" sz="800" dirty="0"/>
-              <a:t> --global </a:t>
-            </a:r>
-            <a:r>
-              <a:rPr lang="en-US" sz="800" dirty="0" err="1"/>
-              <a:t>user.email</a:t>
-            </a:r>
-            <a:r>
-              <a:rPr lang="en-US" sz="800" dirty="0"/>
-              <a:t> </a:t>
-            </a:r>
-            <a:r>
-              <a:rPr lang="en-US" sz="800" dirty="0" smtClean="0">
-                <a:hlinkClick r:id="rId3"/>
-              </a:rPr>
-              <a:t>you@example.com</a:t>
-            </a:r>
-            <a:endParaRPr lang="pl-PL" sz="800" dirty="0" smtClean="0"/>
-          </a:p>
-          <a:p>
-            <a:pPr marL="457200" lvl="1" indent="0">
-              <a:buNone/>
-            </a:pPr>
-            <a:endParaRPr lang="pl-PL" sz="800" dirty="0" smtClean="0"/>
-          </a:p>
-        </p:txBody>
-      </p:sp>
+              <a:t>Interfejs Użytkownika</a:t>
+            </a:r>
+            <a:endParaRPr lang="en-US" sz="1800" b="1" dirty="0"/>
+          </a:p>
+        </p:txBody>
+      </p:sp>
+      <p:pic>
+        <p:nvPicPr>
+          <p:cNvPr id="2050" name="Picture 2" descr="Git - GUI Clients"/>
+          <p:cNvPicPr>
+            <a:picLocks noChangeAspect="1" noChangeArrowheads="1"/>
+          </p:cNvPicPr>
+          <p:nvPr/>
+        </p:nvPicPr>
+        <p:blipFill>
+          <a:blip r:embed="rId2" cstate="print">
+            <a:extLst>
+              <a:ext uri="{28A0092B-C50C-407E-A947-70E740481C1C}">
+                <a14:useLocalDpi xmlns:a14="http://schemas.microsoft.com/office/drawing/2010/main" val="0"/>
+              </a:ext>
+            </a:extLst>
+          </a:blip>
+          <a:srcRect/>
+          <a:stretch>
+            <a:fillRect/>
+          </a:stretch>
+        </p:blipFill>
+        <p:spPr bwMode="auto">
+          <a:xfrm>
+            <a:off x="572578" y="3161561"/>
+            <a:ext cx="2271230" cy="1282396"/>
+          </a:xfrm>
+          <a:prstGeom prst="rect">
+            <a:avLst/>
+          </a:prstGeom>
+          <a:noFill/>
+          <a:extLst>
+            <a:ext uri="{909E8E84-426E-40DD-AFC4-6F175D3DCCD1}">
+              <a14:hiddenFill xmlns:a14="http://schemas.microsoft.com/office/drawing/2010/main">
+                <a:solidFill>
+                  <a:srgbClr val="FFFFFF"/>
+                </a:solidFill>
+              </a14:hiddenFill>
+            </a:ext>
+          </a:extLst>
+        </p:spPr>
+      </p:pic>
+      <p:pic>
+        <p:nvPicPr>
+          <p:cNvPr id="2052" name="Picture 4" descr="Commit Log"/>
+          <p:cNvPicPr>
+            <a:picLocks noChangeAspect="1" noChangeArrowheads="1"/>
+          </p:cNvPicPr>
+          <p:nvPr/>
+        </p:nvPicPr>
+        <p:blipFill>
+          <a:blip r:embed="rId3" cstate="print">
+            <a:extLst>
+              <a:ext uri="{28A0092B-C50C-407E-A947-70E740481C1C}">
+                <a14:useLocalDpi xmlns:a14="http://schemas.microsoft.com/office/drawing/2010/main" val="0"/>
+              </a:ext>
+            </a:extLst>
+          </a:blip>
+          <a:srcRect/>
+          <a:stretch>
+            <a:fillRect/>
+          </a:stretch>
+        </p:blipFill>
+        <p:spPr bwMode="auto">
+          <a:xfrm>
+            <a:off x="5582824" y="3291830"/>
+            <a:ext cx="2269415" cy="1503504"/>
+          </a:xfrm>
+          <a:prstGeom prst="rect">
+            <a:avLst/>
+          </a:prstGeom>
+          <a:noFill/>
+          <a:extLst>
+            <a:ext uri="{909E8E84-426E-40DD-AFC4-6F175D3DCCD1}">
+              <a14:hiddenFill xmlns:a14="http://schemas.microsoft.com/office/drawing/2010/main">
+                <a:solidFill>
+                  <a:srgbClr val="FFFFFF"/>
+                </a:solidFill>
+              </a14:hiddenFill>
+            </a:ext>
+          </a:extLst>
+        </p:spPr>
+      </p:pic>
+      <p:pic>
+        <p:nvPicPr>
+          <p:cNvPr id="2054" name="Picture 6" descr="Working on Git Bash - GeeksforGeeks"/>
+          <p:cNvPicPr>
+            <a:picLocks noChangeAspect="1" noChangeArrowheads="1"/>
+          </p:cNvPicPr>
+          <p:nvPr/>
+        </p:nvPicPr>
+        <p:blipFill>
+          <a:blip r:embed="rId4" cstate="print">
+            <a:extLst>
+              <a:ext uri="{28A0092B-C50C-407E-A947-70E740481C1C}">
+                <a14:useLocalDpi xmlns:a14="http://schemas.microsoft.com/office/drawing/2010/main" val="0"/>
+              </a:ext>
+            </a:extLst>
+          </a:blip>
+          <a:srcRect/>
+          <a:stretch>
+            <a:fillRect/>
+          </a:stretch>
+        </p:blipFill>
+        <p:spPr bwMode="auto">
+          <a:xfrm>
+            <a:off x="2915816" y="1491630"/>
+            <a:ext cx="2612579" cy="1585832"/>
+          </a:xfrm>
+          <a:prstGeom prst="rect">
+            <a:avLst/>
+          </a:prstGeom>
+          <a:noFill/>
+          <a:extLst>
+            <a:ext uri="{909E8E84-426E-40DD-AFC4-6F175D3DCCD1}">
+              <a14:hiddenFill xmlns:a14="http://schemas.microsoft.com/office/drawing/2010/main">
+                <a:solidFill>
+                  <a:srgbClr val="FFFFFF"/>
+                </a:solidFill>
+              </a14:hiddenFill>
+            </a:ext>
+          </a:extLst>
+        </p:spPr>
+      </p:pic>
     </p:spTree>
     <p:extLst>
       <p:ext uri="{BB962C8B-B14F-4D97-AF65-F5344CB8AC3E}">
-        <p14:creationId xmlns:p14="http://schemas.microsoft.com/office/powerpoint/2010/main" val="2453797946"/>
+        <p14:creationId xmlns:p14="http://schemas.microsoft.com/office/powerpoint/2010/main" val="1643586561"/>
       </p:ext>
     </p:extLst>
   </p:cSld>
@@ -3874,214 +3853,55 @@
             </a:pPr>
             <a:r>
               <a:rPr lang="pl-PL" sz="1800" b="1" dirty="0" smtClean="0"/>
-              <a:t>Tworzenie repozytorium</a:t>
-            </a:r>
-          </a:p>
-          <a:p>
-            <a:pPr marL="0" indent="0">
-              <a:buNone/>
-            </a:pPr>
-            <a:endParaRPr lang="pl-PL" sz="1800" b="1" dirty="0" smtClean="0"/>
-          </a:p>
-          <a:p>
-            <a:pPr marL="400050" lvl="1" indent="0">
-              <a:buNone/>
-            </a:pPr>
-            <a:r>
-              <a:rPr lang="pl-PL" sz="600" dirty="0">
-                <a:hlinkClick r:id="rId2"/>
-              </a:rPr>
-              <a:t>https://</a:t>
-            </a:r>
-            <a:r>
-              <a:rPr lang="pl-PL" sz="600" dirty="0" smtClean="0">
-                <a:hlinkClick r:id="rId2"/>
-              </a:rPr>
-              <a:t>www.atlassian.com/git/tutorials/setting-up-a-repository/git-config</a:t>
-            </a:r>
-            <a:endParaRPr lang="pl-PL" sz="600" dirty="0" smtClean="0"/>
-          </a:p>
-          <a:p>
-            <a:pPr lvl="1">
-              <a:buFont typeface="Wingdings" panose="05000000000000000000" pitchFamily="2" charset="2"/>
-              <a:buChar char="§"/>
-            </a:pPr>
-            <a:r>
-              <a:rPr lang="fr-FR" sz="800" dirty="0"/>
-              <a:t>git </a:t>
-            </a:r>
-            <a:r>
-              <a:rPr lang="pl-PL" sz="800" dirty="0" smtClean="0"/>
-              <a:t>clone</a:t>
-            </a:r>
-          </a:p>
-          <a:p>
-            <a:pPr lvl="1">
-              <a:buFont typeface="Wingdings" panose="05000000000000000000" pitchFamily="2" charset="2"/>
-              <a:buChar char="§"/>
-            </a:pPr>
-            <a:r>
-              <a:rPr lang="fr-FR" sz="800" dirty="0" smtClean="0"/>
-              <a:t>git </a:t>
-            </a:r>
-            <a:r>
-              <a:rPr lang="pl-PL" sz="800" dirty="0" err="1" smtClean="0"/>
-              <a:t>init</a:t>
-            </a:r>
-            <a:endParaRPr lang="pl-PL" sz="800" dirty="0" smtClean="0"/>
-          </a:p>
-          <a:p>
-            <a:pPr marL="457200" lvl="1" indent="0">
-              <a:buNone/>
-            </a:pPr>
-            <a:endParaRPr lang="pl-PL" sz="800" dirty="0" smtClean="0"/>
-          </a:p>
-          <a:p>
-            <a:pPr marL="342900" lvl="1" indent="-342900">
-              <a:buFont typeface="Arial" panose="020B0604020202020204" pitchFamily="34" charset="0"/>
-              <a:buChar char="•"/>
-            </a:pPr>
-            <a:r>
-              <a:rPr lang="pl-PL" sz="1200" b="1" dirty="0" smtClean="0"/>
-              <a:t>Podstawowa obsługa</a:t>
-            </a:r>
-            <a:endParaRPr lang="fr-FR" sz="1200" b="1" dirty="0"/>
-          </a:p>
-          <a:p>
-            <a:pPr lvl="1">
-              <a:buFont typeface="Wingdings" panose="05000000000000000000" pitchFamily="2" charset="2"/>
-              <a:buChar char="§"/>
-            </a:pPr>
-            <a:r>
-              <a:rPr lang="pl-PL" sz="800" dirty="0" smtClean="0"/>
-              <a:t>git </a:t>
-            </a:r>
-            <a:r>
-              <a:rPr lang="pl-PL" sz="800" dirty="0" err="1" smtClean="0"/>
-              <a:t>pull</a:t>
-            </a:r>
-            <a:endParaRPr lang="pl-PL" sz="800" dirty="0" smtClean="0"/>
-          </a:p>
-          <a:p>
-            <a:pPr lvl="1">
-              <a:buFont typeface="Wingdings" panose="05000000000000000000" pitchFamily="2" charset="2"/>
-              <a:buChar char="§"/>
-            </a:pPr>
-            <a:r>
-              <a:rPr lang="pl-PL" sz="800" dirty="0" smtClean="0"/>
-              <a:t>git </a:t>
-            </a:r>
-            <a:r>
-              <a:rPr lang="pl-PL" sz="800" dirty="0" err="1"/>
-              <a:t>add</a:t>
-            </a:r>
-            <a:r>
-              <a:rPr lang="pl-PL" sz="800" dirty="0"/>
-              <a:t>  (pojedynczy plik)</a:t>
-            </a:r>
-          </a:p>
-          <a:p>
-            <a:pPr lvl="1">
-              <a:buFont typeface="Wingdings" panose="05000000000000000000" pitchFamily="2" charset="2"/>
-              <a:buChar char="§"/>
-            </a:pPr>
-            <a:r>
-              <a:rPr lang="pl-PL" sz="800" dirty="0"/>
-              <a:t>git </a:t>
-            </a:r>
-            <a:r>
-              <a:rPr lang="pl-PL" sz="800" dirty="0" err="1"/>
-              <a:t>add</a:t>
-            </a:r>
-            <a:r>
-              <a:rPr lang="pl-PL" sz="800" dirty="0"/>
-              <a:t> --</a:t>
-            </a:r>
-            <a:r>
-              <a:rPr lang="pl-PL" sz="800" dirty="0" err="1"/>
-              <a:t>all</a:t>
-            </a:r>
-            <a:r>
-              <a:rPr lang="pl-PL" sz="800" dirty="0"/>
-              <a:t> (wszystkie ale </a:t>
-            </a:r>
-            <a:r>
-              <a:rPr lang="pl-PL" sz="800" dirty="0" err="1"/>
-              <a:t>gitignore</a:t>
-            </a:r>
-            <a:r>
-              <a:rPr lang="pl-PL" sz="800" dirty="0"/>
-              <a:t>)</a:t>
-            </a:r>
-          </a:p>
-          <a:p>
-            <a:pPr lvl="1">
-              <a:buFont typeface="Wingdings" panose="05000000000000000000" pitchFamily="2" charset="2"/>
-              <a:buChar char="§"/>
-            </a:pPr>
-            <a:r>
-              <a:rPr lang="pl-PL" sz="800" dirty="0"/>
-              <a:t>git </a:t>
-            </a:r>
-            <a:r>
-              <a:rPr lang="pl-PL" sz="800" dirty="0" err="1"/>
-              <a:t>commit</a:t>
-            </a:r>
-            <a:r>
-              <a:rPr lang="pl-PL" sz="800" dirty="0"/>
-              <a:t> -m </a:t>
-            </a:r>
-          </a:p>
-          <a:p>
-            <a:pPr lvl="1">
-              <a:buFont typeface="Wingdings" panose="05000000000000000000" pitchFamily="2" charset="2"/>
-              <a:buChar char="§"/>
-            </a:pPr>
-            <a:r>
-              <a:rPr lang="pl-PL" sz="800" dirty="0"/>
-              <a:t>git </a:t>
-            </a:r>
-            <a:r>
-              <a:rPr lang="pl-PL" sz="800" dirty="0" err="1"/>
-              <a:t>commit</a:t>
-            </a:r>
-            <a:r>
-              <a:rPr lang="pl-PL" sz="800" dirty="0"/>
-              <a:t> -</a:t>
-            </a:r>
-            <a:r>
-              <a:rPr lang="pl-PL" sz="800" dirty="0" err="1"/>
-              <a:t>am</a:t>
-            </a:r>
-            <a:r>
-              <a:rPr lang="pl-PL" sz="800" dirty="0"/>
-              <a:t> (wszystkie zmienione pliki; nie nowe)</a:t>
-            </a:r>
-          </a:p>
-          <a:p>
-            <a:pPr lvl="1">
-              <a:buFont typeface="Wingdings" panose="05000000000000000000" pitchFamily="2" charset="2"/>
-              <a:buChar char="§"/>
-            </a:pPr>
-            <a:r>
-              <a:rPr lang="pl-PL" sz="800" dirty="0"/>
-              <a:t>git </a:t>
-            </a:r>
-            <a:r>
-              <a:rPr lang="pl-PL" sz="800" dirty="0" err="1"/>
-              <a:t>push</a:t>
-            </a:r>
-            <a:endParaRPr lang="pl-PL" sz="800" dirty="0"/>
-          </a:p>
-          <a:p>
-            <a:endParaRPr lang="en-US" sz="1200" dirty="0"/>
-          </a:p>
-        </p:txBody>
-      </p:sp>
+              <a:t>Interfejs Użytkownika</a:t>
+            </a:r>
+            <a:endParaRPr lang="en-US" sz="1800" b="1" dirty="0"/>
+          </a:p>
+        </p:txBody>
+      </p:sp>
+      <p:pic>
+        <p:nvPicPr>
+          <p:cNvPr id="3074" name="Picture 2" descr="Transform a directory of flles to gitlab or github, using git"/>
+          <p:cNvPicPr>
+            <a:picLocks noChangeAspect="1" noChangeArrowheads="1"/>
+          </p:cNvPicPr>
+          <p:nvPr/>
+        </p:nvPicPr>
+        <p:blipFill rotWithShape="1">
+          <a:blip r:embed="rId2">
+            <a:extLst>
+              <a:ext uri="{28A0092B-C50C-407E-A947-70E740481C1C}">
+                <a14:useLocalDpi xmlns:a14="http://schemas.microsoft.com/office/drawing/2010/main" val="0"/>
+              </a:ext>
+            </a:extLst>
+          </a:blip>
+          <a:srcRect/>
+          <a:stretch/>
+        </p:blipFill>
+        <p:spPr bwMode="auto">
+          <a:xfrm>
+            <a:off x="1907704" y="1635646"/>
+            <a:ext cx="5120155" cy="2560078"/>
+          </a:xfrm>
+          <a:prstGeom prst="rect">
+            <a:avLst/>
+          </a:prstGeom>
+          <a:noFill/>
+          <a:extLst>
+            <a:ext uri="{909E8E84-426E-40DD-AFC4-6F175D3DCCD1}">
+              <a14:hiddenFill xmlns:a14="http://schemas.microsoft.com/office/drawing/2010/main">
+                <a:solidFill>
+                  <a:srgbClr val="FFFFFF"/>
+                </a:solidFill>
+              </a14:hiddenFill>
+            </a:ext>
+          </a:extLst>
+        </p:spPr>
+      </p:pic>
     </p:spTree>
     <p:extLst>
       <p:ext uri="{BB962C8B-B14F-4D97-AF65-F5344CB8AC3E}">
-        <p14:creationId xmlns:p14="http://schemas.microsoft.com/office/powerpoint/2010/main" val="1483758993"/>
+        <p14:creationId xmlns:p14="http://schemas.microsoft.com/office/powerpoint/2010/main" val="3029342901"/>
       </p:ext>
     </p:extLst>
   </p:cSld>
@@ -4125,19 +3945,37 @@
           </a:bodyPr>
           <a:lstStyle/>
           <a:p>
-            <a:pPr marL="0" lvl="1" indent="0">
+            <a:pPr marL="0" indent="0">
               <a:buNone/>
             </a:pPr>
             <a:r>
               <a:rPr lang="pl-PL" sz="1800" b="1" dirty="0" smtClean="0"/>
-              <a:t>Podstawowa obsługa</a:t>
-            </a:r>
-          </a:p>
-          <a:p>
-            <a:pPr marL="0" lvl="1" indent="0">
+              <a:t>Konfiguracja Git</a:t>
+            </a:r>
+          </a:p>
+          <a:p>
+            <a:pPr marL="0" indent="0">
               <a:buNone/>
             </a:pPr>
-            <a:endParaRPr lang="fr-FR" sz="1800" b="1" dirty="0"/>
+            <a:endParaRPr lang="pl-PL" sz="1800" b="1" dirty="0" smtClean="0"/>
+          </a:p>
+          <a:p>
+            <a:pPr marL="400050" lvl="1" indent="0">
+              <a:buNone/>
+            </a:pPr>
+            <a:r>
+              <a:rPr lang="pl-PL" sz="600" dirty="0">
+                <a:hlinkClick r:id="rId2"/>
+              </a:rPr>
+              <a:t>https://</a:t>
+            </a:r>
+            <a:r>
+              <a:rPr lang="pl-PL" sz="600" dirty="0" smtClean="0">
+                <a:hlinkClick r:id="rId2"/>
+              </a:rPr>
+              <a:t>www.atlassian.com/git/tutorials/setting-up-a-repository/git-config</a:t>
+            </a:r>
+            <a:endParaRPr lang="pl-PL" sz="600" dirty="0" smtClean="0"/>
           </a:p>
           <a:p>
             <a:pPr lvl="1">
@@ -4145,14 +3983,12 @@
               <a:buChar char="§"/>
             </a:pPr>
             <a:r>
-              <a:rPr lang="pl-PL" sz="800" dirty="0" smtClean="0"/>
-              <a:t>git </a:t>
-            </a:r>
-            <a:r>
-              <a:rPr lang="pl-PL" sz="800" dirty="0" err="1" smtClean="0"/>
-              <a:t>pull</a:t>
-            </a:r>
-            <a:endParaRPr lang="pl-PL" sz="800" dirty="0" smtClean="0"/>
+              <a:rPr lang="fr-FR" sz="800" dirty="0">
+                <a:latin typeface="Courier New" panose="02070309020205020404" pitchFamily="49" charset="0"/>
+                <a:cs typeface="Courier New" panose="02070309020205020404" pitchFamily="49" charset="0"/>
+              </a:rPr>
+              <a:t>git --version</a:t>
+            </a:r>
           </a:p>
           <a:p>
             <a:pPr lvl="1">
@@ -4160,17 +3996,33 @@
               <a:buChar char="§"/>
             </a:pPr>
             <a:r>
+              <a:rPr lang="fr-FR" sz="800" dirty="0">
+                <a:latin typeface="Courier New" panose="02070309020205020404" pitchFamily="49" charset="0"/>
+                <a:cs typeface="Courier New" panose="02070309020205020404" pitchFamily="49" charset="0"/>
+              </a:rPr>
+              <a:t>git config </a:t>
+            </a:r>
+            <a:r>
+              <a:rPr lang="fr-FR" sz="800" dirty="0" smtClean="0">
+                <a:latin typeface="Courier New" panose="02070309020205020404" pitchFamily="49" charset="0"/>
+                <a:cs typeface="Courier New" panose="02070309020205020404" pitchFamily="49" charset="0"/>
+              </a:rPr>
+              <a:t>–list</a:t>
+            </a:r>
+            <a:endParaRPr lang="pl-PL" sz="800" dirty="0" smtClean="0">
+              <a:latin typeface="Courier New" panose="02070309020205020404" pitchFamily="49" charset="0"/>
+              <a:cs typeface="Courier New" panose="02070309020205020404" pitchFamily="49" charset="0"/>
+            </a:endParaRPr>
+          </a:p>
+          <a:p>
+            <a:pPr marL="457200" lvl="1" indent="0">
+              <a:buNone/>
+            </a:pPr>
+            <a:r>
               <a:rPr lang="pl-PL" sz="800" dirty="0" smtClean="0"/>
-              <a:t>git </a:t>
-            </a:r>
-            <a:r>
-              <a:rPr lang="pl-PL" sz="800" dirty="0" err="1"/>
-              <a:t>add</a:t>
-            </a:r>
-            <a:r>
-              <a:rPr lang="pl-PL" sz="800" dirty="0"/>
-              <a:t>  (pojedynczy plik)</a:t>
-            </a:r>
+              <a:t>GitLab </a:t>
+            </a:r>
+            <a:endParaRPr lang="pl-PL" sz="800" dirty="0"/>
           </a:p>
           <a:p>
             <a:pPr lvl="1">
@@ -4178,32 +4030,46 @@
               <a:buChar char="§"/>
             </a:pPr>
             <a:r>
-              <a:rPr lang="pl-PL" sz="800" dirty="0"/>
-              <a:t>git </a:t>
-            </a:r>
-            <a:r>
-              <a:rPr lang="pl-PL" sz="800" dirty="0" err="1"/>
-              <a:t>add</a:t>
-            </a:r>
-            <a:r>
-              <a:rPr lang="pl-PL" sz="800" dirty="0"/>
-              <a:t> --</a:t>
-            </a:r>
-            <a:r>
-              <a:rPr lang="pl-PL" sz="800" dirty="0" err="1"/>
-              <a:t>all</a:t>
-            </a:r>
-            <a:r>
-              <a:rPr lang="pl-PL" sz="800" dirty="0"/>
-              <a:t> (wszystkie ale </a:t>
-            </a:r>
-            <a:r>
-              <a:rPr lang="pl-PL" sz="800" dirty="0" err="1"/>
-              <a:t>gitignore</a:t>
-            </a:r>
-            <a:r>
-              <a:rPr lang="pl-PL" sz="800" dirty="0"/>
-              <a:t>)</a:t>
+              <a:rPr lang="en-US" sz="800" dirty="0" err="1">
+                <a:latin typeface="Courier New" panose="02070309020205020404" pitchFamily="49" charset="0"/>
+                <a:cs typeface="Courier New" panose="02070309020205020404" pitchFamily="49" charset="0"/>
+              </a:rPr>
+              <a:t>git</a:t>
+            </a:r>
+            <a:r>
+              <a:rPr lang="en-US" sz="800" dirty="0">
+                <a:latin typeface="Courier New" panose="02070309020205020404" pitchFamily="49" charset="0"/>
+                <a:cs typeface="Courier New" panose="02070309020205020404" pitchFamily="49" charset="0"/>
+              </a:rPr>
+              <a:t> </a:t>
+            </a:r>
+            <a:r>
+              <a:rPr lang="en-US" sz="800" dirty="0" err="1">
+                <a:latin typeface="Courier New" panose="02070309020205020404" pitchFamily="49" charset="0"/>
+                <a:cs typeface="Courier New" panose="02070309020205020404" pitchFamily="49" charset="0"/>
+              </a:rPr>
+              <a:t>config</a:t>
+            </a:r>
+            <a:r>
+              <a:rPr lang="en-US" sz="800" dirty="0">
+                <a:latin typeface="Courier New" panose="02070309020205020404" pitchFamily="49" charset="0"/>
+                <a:cs typeface="Courier New" panose="02070309020205020404" pitchFamily="49" charset="0"/>
+              </a:rPr>
+              <a:t> --global user.name "Your </a:t>
+            </a:r>
+            <a:r>
+              <a:rPr lang="en-US" sz="800" dirty="0" smtClean="0">
+                <a:latin typeface="Courier New" panose="02070309020205020404" pitchFamily="49" charset="0"/>
+                <a:cs typeface="Courier New" panose="02070309020205020404" pitchFamily="49" charset="0"/>
+              </a:rPr>
+              <a:t>Name</a:t>
+            </a:r>
+            <a:r>
+              <a:rPr lang="pl-PL" sz="800" dirty="0" smtClean="0">
+                <a:latin typeface="Courier New" panose="02070309020205020404" pitchFamily="49" charset="0"/>
+                <a:cs typeface="Courier New" panose="02070309020205020404" pitchFamily="49" charset="0"/>
+              </a:rPr>
+              <a:t>”</a:t>
             </a:r>
           </a:p>
           <a:p>
@@ -4212,68 +4078,72 @@
               <a:buChar char="§"/>
             </a:pPr>
             <a:r>
-              <a:rPr lang="pl-PL" sz="800" dirty="0"/>
-              <a:t>git </a:t>
-            </a:r>
-            <a:r>
-              <a:rPr lang="pl-PL" sz="800" dirty="0" err="1"/>
-              <a:t>commit</a:t>
-            </a:r>
-            <a:r>
-              <a:rPr lang="pl-PL" sz="800" dirty="0"/>
-              <a:t> -m </a:t>
-            </a:r>
-          </a:p>
-          <a:p>
-            <a:pPr lvl="1">
-              <a:buFont typeface="Wingdings" panose="05000000000000000000" pitchFamily="2" charset="2"/>
-              <a:buChar char="§"/>
+              <a:rPr lang="en-US" sz="800" dirty="0" err="1" smtClean="0">
+                <a:latin typeface="Courier New" panose="02070309020205020404" pitchFamily="49" charset="0"/>
+                <a:cs typeface="Courier New" panose="02070309020205020404" pitchFamily="49" charset="0"/>
+              </a:rPr>
+              <a:t>git</a:t>
+            </a:r>
+            <a:r>
+              <a:rPr lang="en-US" sz="800" dirty="0" smtClean="0">
+                <a:latin typeface="Courier New" panose="02070309020205020404" pitchFamily="49" charset="0"/>
+                <a:cs typeface="Courier New" panose="02070309020205020404" pitchFamily="49" charset="0"/>
+              </a:rPr>
+              <a:t> </a:t>
+            </a:r>
+            <a:r>
+              <a:rPr lang="en-US" sz="800" dirty="0" err="1">
+                <a:latin typeface="Courier New" panose="02070309020205020404" pitchFamily="49" charset="0"/>
+                <a:cs typeface="Courier New" panose="02070309020205020404" pitchFamily="49" charset="0"/>
+              </a:rPr>
+              <a:t>config</a:t>
+            </a:r>
+            <a:r>
+              <a:rPr lang="en-US" sz="800" dirty="0">
+                <a:latin typeface="Courier New" panose="02070309020205020404" pitchFamily="49" charset="0"/>
+                <a:cs typeface="Courier New" panose="02070309020205020404" pitchFamily="49" charset="0"/>
+              </a:rPr>
+              <a:t> --global </a:t>
+            </a:r>
+            <a:r>
+              <a:rPr lang="en-US" sz="800" dirty="0" err="1">
+                <a:latin typeface="Courier New" panose="02070309020205020404" pitchFamily="49" charset="0"/>
+                <a:cs typeface="Courier New" panose="02070309020205020404" pitchFamily="49" charset="0"/>
+              </a:rPr>
+              <a:t>user.email</a:t>
+            </a:r>
+            <a:r>
+              <a:rPr lang="en-US" sz="800" dirty="0">
+                <a:latin typeface="Courier New" panose="02070309020205020404" pitchFamily="49" charset="0"/>
+                <a:cs typeface="Courier New" panose="02070309020205020404" pitchFamily="49" charset="0"/>
+              </a:rPr>
+              <a:t> </a:t>
+            </a:r>
+            <a:r>
+              <a:rPr lang="en-US" sz="800" dirty="0" smtClean="0">
+                <a:latin typeface="Courier New" panose="02070309020205020404" pitchFamily="49" charset="0"/>
+                <a:cs typeface="Courier New" panose="02070309020205020404" pitchFamily="49" charset="0"/>
+                <a:hlinkClick r:id="rId3"/>
+              </a:rPr>
+              <a:t>you@example.com</a:t>
+            </a:r>
+            <a:endParaRPr lang="pl-PL" sz="800" dirty="0" smtClean="0">
+              <a:latin typeface="Courier New" panose="02070309020205020404" pitchFamily="49" charset="0"/>
+              <a:cs typeface="Courier New" panose="02070309020205020404" pitchFamily="49" charset="0"/>
+            </a:endParaRPr>
+          </a:p>
+          <a:p>
+            <a:pPr marL="457200" lvl="1" indent="0">
+              <a:buNone/>
             </a:pPr>
-            <a:r>
-              <a:rPr lang="pl-PL" sz="800" dirty="0"/>
-              <a:t>git </a:t>
-            </a:r>
-            <a:r>
-              <a:rPr lang="pl-PL" sz="800" dirty="0" err="1"/>
-              <a:t>commit</a:t>
-            </a:r>
-            <a:r>
-              <a:rPr lang="pl-PL" sz="800" dirty="0"/>
-              <a:t> -</a:t>
-            </a:r>
-            <a:r>
-              <a:rPr lang="pl-PL" sz="800" dirty="0" err="1"/>
-              <a:t>am</a:t>
-            </a:r>
-            <a:r>
-              <a:rPr lang="pl-PL" sz="800" dirty="0"/>
-              <a:t> (wszystkie zmienione pliki; nie nowe)</a:t>
-            </a:r>
-          </a:p>
-          <a:p>
-            <a:pPr lvl="1">
-              <a:buFont typeface="Wingdings" panose="05000000000000000000" pitchFamily="2" charset="2"/>
-              <a:buChar char="§"/>
-            </a:pPr>
-            <a:r>
-              <a:rPr lang="pl-PL" sz="800" dirty="0"/>
-              <a:t>git </a:t>
-            </a:r>
-            <a:r>
-              <a:rPr lang="pl-PL" sz="800" dirty="0" err="1"/>
-              <a:t>push</a:t>
-            </a:r>
-            <a:endParaRPr lang="pl-PL" sz="800" dirty="0"/>
-          </a:p>
-          <a:p>
-            <a:endParaRPr lang="en-US" sz="1200" dirty="0"/>
+            <a:endParaRPr lang="pl-PL" sz="800" dirty="0" smtClean="0"/>
           </a:p>
         </p:txBody>
       </p:sp>
     </p:spTree>
     <p:extLst>
       <p:ext uri="{BB962C8B-B14F-4D97-AF65-F5344CB8AC3E}">
-        <p14:creationId xmlns:p14="http://schemas.microsoft.com/office/powerpoint/2010/main" val="1663864229"/>
+        <p14:creationId xmlns:p14="http://schemas.microsoft.com/office/powerpoint/2010/main" val="2453797946"/>
       </p:ext>
     </p:extLst>
   </p:cSld>
@@ -4317,55 +4187,100 @@
           </a:bodyPr>
           <a:lstStyle/>
           <a:p>
+            <a:pPr marL="0" indent="0">
+              <a:buNone/>
+            </a:pPr>
+            <a:r>
+              <a:rPr lang="pl-PL" sz="1800" b="1" dirty="0" smtClean="0"/>
+              <a:t>Tworzenie repozytorium</a:t>
+            </a:r>
+          </a:p>
+          <a:p>
+            <a:pPr marL="0" indent="0">
+              <a:buNone/>
+            </a:pPr>
+            <a:endParaRPr lang="pl-PL" sz="1800" b="1" dirty="0" smtClean="0"/>
+          </a:p>
+          <a:p>
+            <a:pPr marL="400050" lvl="1" indent="0">
+              <a:buNone/>
+            </a:pPr>
+            <a:r>
+              <a:rPr lang="pl-PL" sz="800" dirty="0">
+                <a:hlinkClick r:id="rId2"/>
+              </a:rPr>
+              <a:t>https://</a:t>
+            </a:r>
+            <a:r>
+              <a:rPr lang="pl-PL" sz="800" dirty="0">
+                <a:hlinkClick r:id="rId2"/>
+              </a:rPr>
+              <a:t>www.atlassian.com/git/tutorials/setting-up-a-repository/git-config</a:t>
+            </a:r>
+            <a:endParaRPr lang="pl-PL" sz="800" dirty="0"/>
+          </a:p>
+          <a:p>
+            <a:pPr marL="400050" lvl="1" indent="0">
+              <a:buNone/>
+            </a:pPr>
+            <a:endParaRPr lang="pl-PL" sz="800" dirty="0"/>
+          </a:p>
+          <a:p>
+            <a:pPr lvl="1">
+              <a:buFont typeface="Wingdings" panose="05000000000000000000" pitchFamily="2" charset="2"/>
+              <a:buChar char="§"/>
+            </a:pPr>
+            <a:r>
+              <a:rPr lang="fr-FR" sz="800" dirty="0">
+                <a:latin typeface="Courier New" panose="02070309020205020404" pitchFamily="49" charset="0"/>
+                <a:cs typeface="Courier New" panose="02070309020205020404" pitchFamily="49" charset="0"/>
+              </a:rPr>
+              <a:t>git </a:t>
+            </a:r>
+            <a:r>
+              <a:rPr lang="pl-PL" sz="800" dirty="0" smtClean="0">
+                <a:latin typeface="Courier New" panose="02070309020205020404" pitchFamily="49" charset="0"/>
+                <a:cs typeface="Courier New" panose="02070309020205020404" pitchFamily="49" charset="0"/>
+              </a:rPr>
+              <a:t>clone</a:t>
+            </a:r>
+          </a:p>
+          <a:p>
+            <a:pPr lvl="1">
+              <a:buFont typeface="Wingdings" panose="05000000000000000000" pitchFamily="2" charset="2"/>
+              <a:buChar char="§"/>
+            </a:pPr>
+            <a:r>
+              <a:rPr lang="fr-FR" sz="800" dirty="0" smtClean="0">
+                <a:latin typeface="Courier New" panose="02070309020205020404" pitchFamily="49" charset="0"/>
+                <a:cs typeface="Courier New" panose="02070309020205020404" pitchFamily="49" charset="0"/>
+              </a:rPr>
+              <a:t>git </a:t>
+            </a:r>
+            <a:r>
+              <a:rPr lang="pl-PL" sz="800" dirty="0" err="1" smtClean="0">
+                <a:latin typeface="Courier New" panose="02070309020205020404" pitchFamily="49" charset="0"/>
+                <a:cs typeface="Courier New" panose="02070309020205020404" pitchFamily="49" charset="0"/>
+              </a:rPr>
+              <a:t>init</a:t>
+            </a:r>
+            <a:endParaRPr lang="pl-PL" sz="800" dirty="0" smtClean="0">
+              <a:latin typeface="Courier New" panose="02070309020205020404" pitchFamily="49" charset="0"/>
+              <a:cs typeface="Courier New" panose="02070309020205020404" pitchFamily="49" charset="0"/>
+            </a:endParaRPr>
+          </a:p>
+          <a:p>
+            <a:pPr marL="0" indent="0">
+              <a:buNone/>
+            </a:pPr>
             <a:endParaRPr lang="en-US" sz="1200" dirty="0"/>
           </a:p>
         </p:txBody>
       </p:sp>
-      <p:pic>
-        <p:nvPicPr>
-          <p:cNvPr id="7170" name="Picture 2" descr="Git, GitHub, &amp; Workflow Fundamentals - DEV Community"/>
-          <p:cNvPicPr>
-            <a:picLocks noChangeAspect="1" noChangeArrowheads="1"/>
-          </p:cNvPicPr>
-          <p:nvPr/>
-        </p:nvPicPr>
-        <p:blipFill>
-          <a:blip r:embed="rId2" cstate="print">
-            <a:extLst>
-              <a:ext uri="{28A0092B-C50C-407E-A947-70E740481C1C}">
-                <a14:useLocalDpi xmlns:a14="http://schemas.microsoft.com/office/drawing/2010/main" val="0"/>
-              </a:ext>
-            </a:extLst>
-          </a:blip>
-          <a:srcRect/>
-          <a:stretch>
-            <a:fillRect/>
-          </a:stretch>
-        </p:blipFill>
-        <p:spPr bwMode="auto">
-          <a:xfrm>
-            <a:off x="5796136" y="1923678"/>
-            <a:ext cx="2543913" cy="1806757"/>
-          </a:xfrm>
-          <a:prstGeom prst="rect">
-            <a:avLst/>
-          </a:prstGeom>
-          <a:noFill/>
-          <a:extLst>
-            <a:ext uri="{909E8E84-426E-40DD-AFC4-6F175D3DCCD1}">
-              <a14:hiddenFill xmlns:a14="http://schemas.microsoft.com/office/drawing/2010/main">
-                <a:solidFill>
-                  <a:srgbClr val="FFFFFF"/>
-                </a:solidFill>
-              </a14:hiddenFill>
-            </a:ext>
-          </a:extLst>
-        </p:spPr>
-      </p:pic>
     </p:spTree>
     <p:extLst>
       <p:ext uri="{BB962C8B-B14F-4D97-AF65-F5344CB8AC3E}">
-        <p14:creationId xmlns:p14="http://schemas.microsoft.com/office/powerpoint/2010/main" val="2083234174"/>
+        <p14:creationId xmlns:p14="http://schemas.microsoft.com/office/powerpoint/2010/main" val="1483758993"/>
       </p:ext>
     </p:extLst>
   </p:cSld>
@@ -4414,22 +4329,14 @@
             </a:pPr>
             <a:r>
               <a:rPr lang="pl-PL" sz="1800" b="1" dirty="0" smtClean="0"/>
-              <a:t>Status </a:t>
-            </a:r>
-            <a:r>
-              <a:rPr lang="pl-PL" sz="1800" b="1" dirty="0" smtClean="0"/>
-              <a:t>i historia </a:t>
-            </a:r>
-            <a:r>
-              <a:rPr lang="pl-PL" sz="1800" b="1" dirty="0" smtClean="0"/>
-              <a:t>repozytorium</a:t>
+              <a:t>Podstawowa obsługa</a:t>
             </a:r>
           </a:p>
           <a:p>
             <a:pPr marL="0" lvl="1" indent="0">
               <a:buNone/>
             </a:pPr>
-            <a:endParaRPr lang="fr-FR" sz="1800" b="1" dirty="0" smtClean="0"/>
+            <a:endParaRPr lang="fr-FR" sz="1800" b="1" dirty="0"/>
           </a:p>
           <a:p>
             <a:pPr lvl="1">
@@ -4437,10 +4344,23 @@
               <a:buChar char="§"/>
             </a:pPr>
             <a:r>
-              <a:rPr lang="pl-PL" sz="800" dirty="0" smtClean="0"/>
-              <a:t>git status</a:t>
-            </a:r>
-            <a:endParaRPr lang="pl-PL" sz="800" dirty="0"/>
+              <a:rPr lang="pl-PL" sz="800" dirty="0" smtClean="0">
+                <a:latin typeface="Courier New" panose="02070309020205020404" pitchFamily="49" charset="0"/>
+                <a:cs typeface="Courier New" panose="02070309020205020404" pitchFamily="49" charset="0"/>
+              </a:rPr>
+              <a:t>git </a:t>
+            </a:r>
+            <a:r>
+              <a:rPr lang="pl-PL" sz="800" dirty="0" err="1" smtClean="0">
+                <a:latin typeface="Courier New" panose="02070309020205020404" pitchFamily="49" charset="0"/>
+                <a:cs typeface="Courier New" panose="02070309020205020404" pitchFamily="49" charset="0"/>
+              </a:rPr>
+              <a:t>pull</a:t>
+            </a:r>
+            <a:endParaRPr lang="pl-PL" sz="800" dirty="0" smtClean="0">
+              <a:latin typeface="Courier New" panose="02070309020205020404" pitchFamily="49" charset="0"/>
+              <a:cs typeface="Courier New" panose="02070309020205020404" pitchFamily="49" charset="0"/>
+            </a:endParaRPr>
           </a:p>
           <a:p>
             <a:pPr lvl="1">
@@ -4448,8 +4368,25 @@
               <a:buChar char="§"/>
             </a:pPr>
             <a:r>
-              <a:rPr lang="pl-PL" sz="800" dirty="0" smtClean="0"/>
-              <a:t>git log</a:t>
+              <a:rPr lang="pl-PL" sz="800" dirty="0" smtClean="0">
+                <a:latin typeface="Courier New" panose="02070309020205020404" pitchFamily="49" charset="0"/>
+                <a:cs typeface="Courier New" panose="02070309020205020404" pitchFamily="49" charset="0"/>
+              </a:rPr>
+              <a:t>git </a:t>
+            </a:r>
+            <a:r>
+              <a:rPr lang="pl-PL" sz="800" dirty="0" err="1">
+                <a:latin typeface="Courier New" panose="02070309020205020404" pitchFamily="49" charset="0"/>
+                <a:cs typeface="Courier New" panose="02070309020205020404" pitchFamily="49" charset="0"/>
+              </a:rPr>
+              <a:t>add</a:t>
+            </a:r>
+            <a:r>
+              <a:rPr lang="pl-PL" sz="800" dirty="0">
+                <a:latin typeface="Courier New" panose="02070309020205020404" pitchFamily="49" charset="0"/>
+                <a:cs typeface="Courier New" panose="02070309020205020404" pitchFamily="49" charset="0"/>
+              </a:rPr>
+              <a:t>  (pojedynczy plik)</a:t>
             </a:r>
           </a:p>
           <a:p>
@@ -4458,14 +4395,54 @@
               <a:buChar char="§"/>
             </a:pPr>
             <a:r>
-              <a:rPr lang="pl-PL" sz="800" dirty="0" smtClean="0"/>
-              <a:t>git log –</a:t>
-            </a:r>
-            <a:r>
-              <a:rPr lang="pl-PL" sz="800" dirty="0" err="1" smtClean="0"/>
-              <a:t>oneline</a:t>
-            </a:r>
-            <a:endParaRPr lang="pl-PL" sz="800" dirty="0" smtClean="0"/>
+              <a:rPr lang="pl-PL" sz="800" dirty="0">
+                <a:latin typeface="Courier New" panose="02070309020205020404" pitchFamily="49" charset="0"/>
+                <a:cs typeface="Courier New" panose="02070309020205020404" pitchFamily="49" charset="0"/>
+              </a:rPr>
+              <a:t>git </a:t>
+            </a:r>
+            <a:r>
+              <a:rPr lang="pl-PL" sz="800" dirty="0" err="1">
+                <a:latin typeface="Courier New" panose="02070309020205020404" pitchFamily="49" charset="0"/>
+                <a:cs typeface="Courier New" panose="02070309020205020404" pitchFamily="49" charset="0"/>
+              </a:rPr>
+              <a:t>add</a:t>
+            </a:r>
+            <a:r>
+              <a:rPr lang="pl-PL" sz="800" dirty="0">
+                <a:latin typeface="Courier New" panose="02070309020205020404" pitchFamily="49" charset="0"/>
+                <a:cs typeface="Courier New" panose="02070309020205020404" pitchFamily="49" charset="0"/>
+              </a:rPr>
+              <a:t> --</a:t>
+            </a:r>
+            <a:r>
+              <a:rPr lang="pl-PL" sz="800" dirty="0" err="1">
+                <a:latin typeface="Courier New" panose="02070309020205020404" pitchFamily="49" charset="0"/>
+                <a:cs typeface="Courier New" panose="02070309020205020404" pitchFamily="49" charset="0"/>
+              </a:rPr>
+              <a:t>all</a:t>
+            </a:r>
+            <a:r>
+              <a:rPr lang="pl-PL" sz="800" dirty="0">
+                <a:latin typeface="Courier New" panose="02070309020205020404" pitchFamily="49" charset="0"/>
+                <a:cs typeface="Courier New" panose="02070309020205020404" pitchFamily="49" charset="0"/>
+              </a:rPr>
+              <a:t> (wszystkie ale </a:t>
+            </a:r>
+            <a:r>
+              <a:rPr lang="pl-PL" sz="800" dirty="0" err="1">
+                <a:latin typeface="Courier New" panose="02070309020205020404" pitchFamily="49" charset="0"/>
+                <a:cs typeface="Courier New" panose="02070309020205020404" pitchFamily="49" charset="0"/>
+              </a:rPr>
+              <a:t>gitignore</a:t>
+            </a:r>
+            <a:r>
+              <a:rPr lang="pl-PL" sz="800" dirty="0">
+                <a:latin typeface="Courier New" panose="02070309020205020404" pitchFamily="49" charset="0"/>
+                <a:cs typeface="Courier New" panose="02070309020205020404" pitchFamily="49" charset="0"/>
+              </a:rPr>
+              <a:t>)</a:t>
+            </a:r>
           </a:p>
           <a:p>
             <a:pPr lvl="1">
@@ -4473,16 +4450,25 @@
               <a:buChar char="§"/>
             </a:pPr>
             <a:r>
-              <a:rPr lang="pl-PL" sz="800" dirty="0" smtClean="0"/>
-              <a:t>git log –</a:t>
-            </a:r>
-            <a:r>
-              <a:rPr lang="pl-PL" sz="800" dirty="0" err="1" smtClean="0"/>
-              <a:t>author</a:t>
-            </a:r>
-            <a:r>
-              <a:rPr lang="pl-PL" sz="800" dirty="0" smtClean="0"/>
-              <a:t>=„Author”</a:t>
+              <a:rPr lang="pl-PL" sz="800" dirty="0">
+                <a:latin typeface="Courier New" panose="02070309020205020404" pitchFamily="49" charset="0"/>
+                <a:cs typeface="Courier New" panose="02070309020205020404" pitchFamily="49" charset="0"/>
+              </a:rPr>
+              <a:t>git </a:t>
+            </a:r>
+            <a:r>
+              <a:rPr lang="pl-PL" sz="800" dirty="0" err="1">
+                <a:latin typeface="Courier New" panose="02070309020205020404" pitchFamily="49" charset="0"/>
+                <a:cs typeface="Courier New" panose="02070309020205020404" pitchFamily="49" charset="0"/>
+              </a:rPr>
+              <a:t>commit</a:t>
+            </a:r>
+            <a:r>
+              <a:rPr lang="pl-PL" sz="800" dirty="0">
+                <a:latin typeface="Courier New" panose="02070309020205020404" pitchFamily="49" charset="0"/>
+                <a:cs typeface="Courier New" panose="02070309020205020404" pitchFamily="49" charset="0"/>
+              </a:rPr>
+              <a:t> -m </a:t>
             </a:r>
           </a:p>
           <a:p>
@@ -4491,16 +4477,39 @@
               <a:buChar char="§"/>
             </a:pPr>
             <a:r>
-              <a:rPr lang="pl-PL" sz="800" dirty="0" smtClean="0"/>
-              <a:t>git log –</a:t>
-            </a:r>
-            <a:r>
-              <a:rPr lang="pl-PL" sz="800" dirty="0" err="1" smtClean="0"/>
-              <a:t>grep</a:t>
-            </a:r>
-            <a:r>
-              <a:rPr lang="pl-PL" sz="800" dirty="0" smtClean="0"/>
-              <a:t>=„fraza”</a:t>
+              <a:rPr lang="pl-PL" sz="800" dirty="0">
+                <a:latin typeface="Courier New" panose="02070309020205020404" pitchFamily="49" charset="0"/>
+                <a:cs typeface="Courier New" panose="02070309020205020404" pitchFamily="49" charset="0"/>
+              </a:rPr>
+              <a:t>git </a:t>
+            </a:r>
+            <a:r>
+              <a:rPr lang="pl-PL" sz="800" dirty="0" err="1">
+                <a:latin typeface="Courier New" panose="02070309020205020404" pitchFamily="49" charset="0"/>
+                <a:cs typeface="Courier New" panose="02070309020205020404" pitchFamily="49" charset="0"/>
+              </a:rPr>
+              <a:t>commit</a:t>
+            </a:r>
+            <a:r>
+              <a:rPr lang="pl-PL" sz="800" dirty="0">
+                <a:latin typeface="Courier New" panose="02070309020205020404" pitchFamily="49" charset="0"/>
+                <a:cs typeface="Courier New" panose="02070309020205020404" pitchFamily="49" charset="0"/>
+              </a:rPr>
+              <a:t> -</a:t>
+            </a:r>
+            <a:r>
+              <a:rPr lang="pl-PL" sz="800" dirty="0" err="1">
+                <a:latin typeface="Courier New" panose="02070309020205020404" pitchFamily="49" charset="0"/>
+                <a:cs typeface="Courier New" panose="02070309020205020404" pitchFamily="49" charset="0"/>
+              </a:rPr>
+              <a:t>am</a:t>
+            </a:r>
+            <a:r>
+              <a:rPr lang="pl-PL" sz="800" dirty="0">
+                <a:latin typeface="Courier New" panose="02070309020205020404" pitchFamily="49" charset="0"/>
+                <a:cs typeface="Courier New" panose="02070309020205020404" pitchFamily="49" charset="0"/>
+              </a:rPr>
+              <a:t> (wszystkie zmienione pliki; nie nowe)</a:t>
             </a:r>
           </a:p>
           <a:p>
@@ -4509,122 +4518,25 @@
               <a:buChar char="§"/>
             </a:pPr>
             <a:r>
-              <a:rPr lang="pl-PL" sz="800" dirty="0" smtClean="0"/>
-              <a:t>git log –n (n – liczba </a:t>
-            </a:r>
-            <a:r>
-              <a:rPr lang="pl-PL" sz="800" dirty="0" err="1" smtClean="0"/>
-              <a:t>commitów</a:t>
-            </a:r>
-            <a:r>
-              <a:rPr lang="pl-PL" sz="800" dirty="0" smtClean="0"/>
-              <a:t>)</a:t>
-            </a:r>
-          </a:p>
-          <a:p>
-            <a:pPr lvl="1">
-              <a:buFont typeface="Wingdings" panose="05000000000000000000" pitchFamily="2" charset="2"/>
-              <a:buChar char="§"/>
-            </a:pPr>
-            <a:r>
-              <a:rPr lang="pl-PL" sz="800" dirty="0" smtClean="0"/>
-              <a:t>git log –(</a:t>
-            </a:r>
-            <a:r>
-              <a:rPr lang="pl-PL" sz="800" dirty="0" err="1" smtClean="0"/>
-              <a:t>path</a:t>
-            </a:r>
-            <a:r>
-              <a:rPr lang="pl-PL" sz="800" dirty="0" smtClean="0"/>
-              <a:t> </a:t>
-            </a:r>
-            <a:r>
-              <a:rPr lang="pl-PL" sz="800" dirty="0" err="1" smtClean="0"/>
-              <a:t>or</a:t>
-            </a:r>
-            <a:r>
-              <a:rPr lang="pl-PL" sz="800" dirty="0" smtClean="0"/>
-              <a:t> </a:t>
-            </a:r>
-            <a:r>
-              <a:rPr lang="pl-PL" sz="800" dirty="0" err="1" smtClean="0"/>
-              <a:t>filename</a:t>
-            </a:r>
-            <a:r>
-              <a:rPr lang="pl-PL" sz="800" dirty="0" smtClean="0"/>
-              <a:t>)</a:t>
-            </a:r>
-          </a:p>
-          <a:p>
-            <a:pPr lvl="1">
-              <a:buFont typeface="Wingdings" panose="05000000000000000000" pitchFamily="2" charset="2"/>
-              <a:buChar char="§"/>
-            </a:pPr>
-            <a:r>
-              <a:rPr lang="pl-PL" sz="800" dirty="0" smtClean="0"/>
-              <a:t>--</a:t>
-            </a:r>
-            <a:r>
-              <a:rPr lang="pl-PL" sz="800" dirty="0" err="1" smtClean="0"/>
-              <a:t>patch</a:t>
-            </a:r>
-            <a:r>
-              <a:rPr lang="pl-PL" sz="800" dirty="0" smtClean="0"/>
-              <a:t> --</a:t>
-            </a:r>
-            <a:r>
-              <a:rPr lang="pl-PL" sz="800" dirty="0" err="1" smtClean="0"/>
-              <a:t>summary</a:t>
-            </a:r>
-            <a:r>
-              <a:rPr lang="pl-PL" sz="800" dirty="0" smtClean="0"/>
-              <a:t> –</a:t>
-            </a:r>
-            <a:r>
-              <a:rPr lang="pl-PL" sz="800" dirty="0" err="1" smtClean="0"/>
-              <a:t>stat</a:t>
-            </a:r>
-            <a:endParaRPr lang="pl-PL" sz="800" dirty="0" smtClean="0"/>
-          </a:p>
-          <a:p>
-            <a:pPr lvl="1">
-              <a:buFont typeface="Wingdings" panose="05000000000000000000" pitchFamily="2" charset="2"/>
-              <a:buChar char="§"/>
-            </a:pPr>
-            <a:r>
-              <a:rPr lang="pl-PL" sz="800" dirty="0" smtClean="0"/>
-              <a:t>git  log –format=„%h %</a:t>
-            </a:r>
-            <a:r>
-              <a:rPr lang="pl-PL" sz="800" dirty="0" err="1" smtClean="0"/>
-              <a:t>an</a:t>
-            </a:r>
-            <a:r>
-              <a:rPr lang="pl-PL" sz="800" dirty="0" smtClean="0"/>
-              <a:t> %s (%</a:t>
-            </a:r>
-            <a:r>
-              <a:rPr lang="pl-PL" sz="800" dirty="0" err="1" smtClean="0"/>
-              <a:t>cr</a:t>
-            </a:r>
-            <a:r>
-              <a:rPr lang="pl-PL" sz="800" dirty="0" smtClean="0"/>
-              <a:t>)</a:t>
-            </a:r>
-          </a:p>
-          <a:p>
-            <a:pPr lvl="1">
-              <a:buFont typeface="Wingdings" panose="05000000000000000000" pitchFamily="2" charset="2"/>
-              <a:buChar char="§"/>
-            </a:pPr>
-            <a:r>
-              <a:rPr lang="pl-PL" sz="800" dirty="0" smtClean="0"/>
+              <a:rPr lang="pl-PL" sz="800" dirty="0">
+                <a:latin typeface="Courier New" panose="02070309020205020404" pitchFamily="49" charset="0"/>
+                <a:cs typeface="Courier New" panose="02070309020205020404" pitchFamily="49" charset="0"/>
+              </a:rPr>
               <a:t>git </a:t>
             </a:r>
             <a:r>
-              <a:rPr lang="pl-PL" sz="800" dirty="0" err="1" smtClean="0"/>
-              <a:t>shortlog</a:t>
-            </a:r>
+              <a:rPr lang="pl-PL" sz="800" dirty="0" err="1">
+                <a:latin typeface="Courier New" panose="02070309020205020404" pitchFamily="49" charset="0"/>
+                <a:cs typeface="Courier New" panose="02070309020205020404" pitchFamily="49" charset="0"/>
+              </a:rPr>
+              <a:t>push</a:t>
+            </a:r>
+            <a:endParaRPr lang="pl-PL" sz="800" dirty="0">
+              <a:latin typeface="Courier New" panose="02070309020205020404" pitchFamily="49" charset="0"/>
+              <a:cs typeface="Courier New" panose="02070309020205020404" pitchFamily="49" charset="0"/>
+            </a:endParaRPr>
+          </a:p>
+          <a:p>
             <a:endParaRPr lang="en-US" sz="1200" dirty="0"/>
           </a:p>
         </p:txBody>
@@ -4632,7 +4544,7 @@
     </p:spTree>
     <p:extLst>
       <p:ext uri="{BB962C8B-B14F-4D97-AF65-F5344CB8AC3E}">
-        <p14:creationId xmlns:p14="http://schemas.microsoft.com/office/powerpoint/2010/main" val="3093268055"/>
+        <p14:creationId xmlns:p14="http://schemas.microsoft.com/office/powerpoint/2010/main" val="1663864229"/>
       </p:ext>
     </p:extLst>
   </p:cSld>
@@ -4676,19 +4588,19 @@
           </a:bodyPr>
           <a:lstStyle/>
           <a:p>
-            <a:pPr marL="0" indent="0">
+            <a:pPr marL="0" lvl="1" indent="0">
               <a:buNone/>
             </a:pPr>
             <a:r>
               <a:rPr lang="pl-PL" sz="1800" b="1" dirty="0" smtClean="0"/>
-              <a:t>Polecenia</a:t>
-            </a:r>
-          </a:p>
-          <a:p>
-            <a:r>
-              <a:rPr lang="pl-PL" sz="1200" b="1" dirty="0" smtClean="0"/>
-              <a:t>Rozwój aplikacji - gałęzie</a:t>
-            </a:r>
+              <a:t>Status i historia repozytorium</a:t>
+            </a:r>
+          </a:p>
+          <a:p>
+            <a:pPr marL="0" lvl="1" indent="0">
+              <a:buNone/>
+            </a:pPr>
+            <a:endParaRPr lang="fr-FR" sz="1800" b="1" dirty="0" smtClean="0"/>
           </a:p>
           <a:p>
             <a:pPr lvl="1">
@@ -4696,9 +4608,16 @@
               <a:buChar char="§"/>
             </a:pPr>
             <a:r>
-              <a:rPr lang="fr-FR" sz="800" dirty="0"/>
-              <a:t>git checkout nazwa_brancha</a:t>
-            </a:r>
+              <a:rPr lang="pl-PL" sz="800" dirty="0" smtClean="0">
+                <a:latin typeface="Courier New" panose="02070309020205020404" pitchFamily="49" charset="0"/>
+                <a:cs typeface="Courier New" panose="02070309020205020404" pitchFamily="49" charset="0"/>
+              </a:rPr>
+              <a:t>git status</a:t>
+            </a:r>
+            <a:endParaRPr lang="pl-PL" sz="800" dirty="0">
+              <a:latin typeface="Courier New" panose="02070309020205020404" pitchFamily="49" charset="0"/>
+              <a:cs typeface="Courier New" panose="02070309020205020404" pitchFamily="49" charset="0"/>
+            </a:endParaRPr>
           </a:p>
           <a:p>
             <a:pPr lvl="1">
@@ -4706,8 +4625,11 @@
               <a:buChar char="§"/>
             </a:pPr>
             <a:r>
-              <a:rPr lang="fr-FR" sz="800" dirty="0"/>
-              <a:t>git checkout -b”nowy_branch”</a:t>
+              <a:rPr lang="pl-PL" sz="800" dirty="0" smtClean="0">
+                <a:latin typeface="Courier New" panose="02070309020205020404" pitchFamily="49" charset="0"/>
+                <a:cs typeface="Courier New" panose="02070309020205020404" pitchFamily="49" charset="0"/>
+              </a:rPr>
+              <a:t>git log</a:t>
             </a:r>
           </a:p>
           <a:p>
@@ -4716,9 +4638,23 @@
               <a:buChar char="§"/>
             </a:pPr>
             <a:r>
-              <a:rPr lang="fr-FR" sz="800" dirty="0"/>
-              <a:t>git checkout -</a:t>
-            </a:r>
+              <a:rPr lang="pl-PL" sz="800" dirty="0" smtClean="0">
+                <a:latin typeface="Courier New" panose="02070309020205020404" pitchFamily="49" charset="0"/>
+                <a:cs typeface="Courier New" panose="02070309020205020404" pitchFamily="49" charset="0"/>
+              </a:rPr>
+              <a:t>git log –</a:t>
+            </a:r>
+            <a:r>
+              <a:rPr lang="pl-PL" sz="800" dirty="0" err="1" smtClean="0">
+                <a:latin typeface="Courier New" panose="02070309020205020404" pitchFamily="49" charset="0"/>
+                <a:cs typeface="Courier New" panose="02070309020205020404" pitchFamily="49" charset="0"/>
+              </a:rPr>
+              <a:t>oneline</a:t>
+            </a:r>
+            <a:endParaRPr lang="pl-PL" sz="800" dirty="0" smtClean="0">
+              <a:latin typeface="Courier New" panose="02070309020205020404" pitchFamily="49" charset="0"/>
+              <a:cs typeface="Courier New" panose="02070309020205020404" pitchFamily="49" charset="0"/>
+            </a:endParaRPr>
           </a:p>
           <a:p>
             <a:pPr lvl="1">
@@ -4726,7 +4662,375 @@
               <a:buChar char="§"/>
             </a:pPr>
             <a:r>
-              <a:rPr lang="fr-FR" sz="800" dirty="0"/>
+              <a:rPr lang="pl-PL" sz="800" dirty="0" smtClean="0">
+                <a:latin typeface="Courier New" panose="02070309020205020404" pitchFamily="49" charset="0"/>
+                <a:cs typeface="Courier New" panose="02070309020205020404" pitchFamily="49" charset="0"/>
+              </a:rPr>
+              <a:t>git log –</a:t>
+            </a:r>
+            <a:r>
+              <a:rPr lang="pl-PL" sz="800" dirty="0" err="1" smtClean="0">
+                <a:latin typeface="Courier New" panose="02070309020205020404" pitchFamily="49" charset="0"/>
+                <a:cs typeface="Courier New" panose="02070309020205020404" pitchFamily="49" charset="0"/>
+              </a:rPr>
+              <a:t>author</a:t>
+            </a:r>
+            <a:r>
+              <a:rPr lang="pl-PL" sz="800" dirty="0" smtClean="0">
+                <a:latin typeface="Courier New" panose="02070309020205020404" pitchFamily="49" charset="0"/>
+                <a:cs typeface="Courier New" panose="02070309020205020404" pitchFamily="49" charset="0"/>
+              </a:rPr>
+              <a:t>=„Author”</a:t>
+            </a:r>
+          </a:p>
+          <a:p>
+            <a:pPr lvl="1">
+              <a:buFont typeface="Wingdings" panose="05000000000000000000" pitchFamily="2" charset="2"/>
+              <a:buChar char="§"/>
+            </a:pPr>
+            <a:r>
+              <a:rPr lang="pl-PL" sz="800" dirty="0" smtClean="0">
+                <a:latin typeface="Courier New" panose="02070309020205020404" pitchFamily="49" charset="0"/>
+                <a:cs typeface="Courier New" panose="02070309020205020404" pitchFamily="49" charset="0"/>
+              </a:rPr>
+              <a:t>git log –</a:t>
+            </a:r>
+            <a:r>
+              <a:rPr lang="pl-PL" sz="800" dirty="0" err="1" smtClean="0">
+                <a:latin typeface="Courier New" panose="02070309020205020404" pitchFamily="49" charset="0"/>
+                <a:cs typeface="Courier New" panose="02070309020205020404" pitchFamily="49" charset="0"/>
+              </a:rPr>
+              <a:t>grep</a:t>
+            </a:r>
+            <a:r>
+              <a:rPr lang="pl-PL" sz="800" dirty="0" smtClean="0">
+                <a:latin typeface="Courier New" panose="02070309020205020404" pitchFamily="49" charset="0"/>
+                <a:cs typeface="Courier New" panose="02070309020205020404" pitchFamily="49" charset="0"/>
+              </a:rPr>
+              <a:t>=„fraza”</a:t>
+            </a:r>
+          </a:p>
+          <a:p>
+            <a:pPr lvl="1">
+              <a:buFont typeface="Wingdings" panose="05000000000000000000" pitchFamily="2" charset="2"/>
+              <a:buChar char="§"/>
+            </a:pPr>
+            <a:r>
+              <a:rPr lang="pl-PL" sz="800" dirty="0" smtClean="0">
+                <a:latin typeface="Courier New" panose="02070309020205020404" pitchFamily="49" charset="0"/>
+                <a:cs typeface="Courier New" panose="02070309020205020404" pitchFamily="49" charset="0"/>
+              </a:rPr>
+              <a:t>git log –n (n – liczba </a:t>
+            </a:r>
+            <a:r>
+              <a:rPr lang="pl-PL" sz="800" dirty="0" err="1" smtClean="0">
+                <a:latin typeface="Courier New" panose="02070309020205020404" pitchFamily="49" charset="0"/>
+                <a:cs typeface="Courier New" panose="02070309020205020404" pitchFamily="49" charset="0"/>
+              </a:rPr>
+              <a:t>commitów</a:t>
+            </a:r>
+            <a:r>
+              <a:rPr lang="pl-PL" sz="800" dirty="0" smtClean="0">
+                <a:latin typeface="Courier New" panose="02070309020205020404" pitchFamily="49" charset="0"/>
+                <a:cs typeface="Courier New" panose="02070309020205020404" pitchFamily="49" charset="0"/>
+              </a:rPr>
+              <a:t>)</a:t>
+            </a:r>
+          </a:p>
+          <a:p>
+            <a:pPr lvl="1">
+              <a:buFont typeface="Wingdings" panose="05000000000000000000" pitchFamily="2" charset="2"/>
+              <a:buChar char="§"/>
+            </a:pPr>
+            <a:r>
+              <a:rPr lang="pl-PL" sz="800" dirty="0" smtClean="0">
+                <a:latin typeface="Courier New" panose="02070309020205020404" pitchFamily="49" charset="0"/>
+                <a:cs typeface="Courier New" panose="02070309020205020404" pitchFamily="49" charset="0"/>
+              </a:rPr>
+              <a:t>git log –(</a:t>
+            </a:r>
+            <a:r>
+              <a:rPr lang="pl-PL" sz="800" dirty="0" err="1" smtClean="0">
+                <a:latin typeface="Courier New" panose="02070309020205020404" pitchFamily="49" charset="0"/>
+                <a:cs typeface="Courier New" panose="02070309020205020404" pitchFamily="49" charset="0"/>
+              </a:rPr>
+              <a:t>path</a:t>
+            </a:r>
+            <a:r>
+              <a:rPr lang="pl-PL" sz="800" dirty="0" smtClean="0">
+                <a:latin typeface="Courier New" panose="02070309020205020404" pitchFamily="49" charset="0"/>
+                <a:cs typeface="Courier New" panose="02070309020205020404" pitchFamily="49" charset="0"/>
+              </a:rPr>
+              <a:t> </a:t>
+            </a:r>
+            <a:r>
+              <a:rPr lang="pl-PL" sz="800" dirty="0" err="1" smtClean="0">
+                <a:latin typeface="Courier New" panose="02070309020205020404" pitchFamily="49" charset="0"/>
+                <a:cs typeface="Courier New" panose="02070309020205020404" pitchFamily="49" charset="0"/>
+              </a:rPr>
+              <a:t>or</a:t>
+            </a:r>
+            <a:r>
+              <a:rPr lang="pl-PL" sz="800" dirty="0" smtClean="0">
+                <a:latin typeface="Courier New" panose="02070309020205020404" pitchFamily="49" charset="0"/>
+                <a:cs typeface="Courier New" panose="02070309020205020404" pitchFamily="49" charset="0"/>
+              </a:rPr>
+              <a:t> </a:t>
+            </a:r>
+            <a:r>
+              <a:rPr lang="pl-PL" sz="800" dirty="0" err="1" smtClean="0">
+                <a:latin typeface="Courier New" panose="02070309020205020404" pitchFamily="49" charset="0"/>
+                <a:cs typeface="Courier New" panose="02070309020205020404" pitchFamily="49" charset="0"/>
+              </a:rPr>
+              <a:t>filename</a:t>
+            </a:r>
+            <a:r>
+              <a:rPr lang="pl-PL" sz="800" dirty="0" smtClean="0">
+                <a:latin typeface="Courier New" panose="02070309020205020404" pitchFamily="49" charset="0"/>
+                <a:cs typeface="Courier New" panose="02070309020205020404" pitchFamily="49" charset="0"/>
+              </a:rPr>
+              <a:t>)</a:t>
+            </a:r>
+          </a:p>
+          <a:p>
+            <a:pPr lvl="1">
+              <a:buFont typeface="Wingdings" panose="05000000000000000000" pitchFamily="2" charset="2"/>
+              <a:buChar char="§"/>
+            </a:pPr>
+            <a:r>
+              <a:rPr lang="pl-PL" sz="800" dirty="0" smtClean="0">
+                <a:latin typeface="Courier New" panose="02070309020205020404" pitchFamily="49" charset="0"/>
+                <a:cs typeface="Courier New" panose="02070309020205020404" pitchFamily="49" charset="0"/>
+              </a:rPr>
+              <a:t>--</a:t>
+            </a:r>
+            <a:r>
+              <a:rPr lang="pl-PL" sz="800" dirty="0" err="1" smtClean="0">
+                <a:latin typeface="Courier New" panose="02070309020205020404" pitchFamily="49" charset="0"/>
+                <a:cs typeface="Courier New" panose="02070309020205020404" pitchFamily="49" charset="0"/>
+              </a:rPr>
+              <a:t>patch</a:t>
+            </a:r>
+            <a:r>
+              <a:rPr lang="pl-PL" sz="800" dirty="0" smtClean="0">
+                <a:latin typeface="Courier New" panose="02070309020205020404" pitchFamily="49" charset="0"/>
+                <a:cs typeface="Courier New" panose="02070309020205020404" pitchFamily="49" charset="0"/>
+              </a:rPr>
+              <a:t> --</a:t>
+            </a:r>
+            <a:r>
+              <a:rPr lang="pl-PL" sz="800" dirty="0" err="1" smtClean="0">
+                <a:latin typeface="Courier New" panose="02070309020205020404" pitchFamily="49" charset="0"/>
+                <a:cs typeface="Courier New" panose="02070309020205020404" pitchFamily="49" charset="0"/>
+              </a:rPr>
+              <a:t>summary</a:t>
+            </a:r>
+            <a:r>
+              <a:rPr lang="pl-PL" sz="800" dirty="0" smtClean="0">
+                <a:latin typeface="Courier New" panose="02070309020205020404" pitchFamily="49" charset="0"/>
+                <a:cs typeface="Courier New" panose="02070309020205020404" pitchFamily="49" charset="0"/>
+              </a:rPr>
+              <a:t> –</a:t>
+            </a:r>
+            <a:r>
+              <a:rPr lang="pl-PL" sz="800" dirty="0" err="1" smtClean="0">
+                <a:latin typeface="Courier New" panose="02070309020205020404" pitchFamily="49" charset="0"/>
+                <a:cs typeface="Courier New" panose="02070309020205020404" pitchFamily="49" charset="0"/>
+              </a:rPr>
+              <a:t>stat</a:t>
+            </a:r>
+            <a:endParaRPr lang="pl-PL" sz="800" dirty="0" smtClean="0">
+              <a:latin typeface="Courier New" panose="02070309020205020404" pitchFamily="49" charset="0"/>
+              <a:cs typeface="Courier New" panose="02070309020205020404" pitchFamily="49" charset="0"/>
+            </a:endParaRPr>
+          </a:p>
+          <a:p>
+            <a:pPr lvl="1">
+              <a:buFont typeface="Wingdings" panose="05000000000000000000" pitchFamily="2" charset="2"/>
+              <a:buChar char="§"/>
+            </a:pPr>
+            <a:r>
+              <a:rPr lang="pl-PL" sz="800" dirty="0" smtClean="0">
+                <a:latin typeface="Courier New" panose="02070309020205020404" pitchFamily="49" charset="0"/>
+                <a:cs typeface="Courier New" panose="02070309020205020404" pitchFamily="49" charset="0"/>
+              </a:rPr>
+              <a:t>git  log –format=„%h %</a:t>
+            </a:r>
+            <a:r>
+              <a:rPr lang="pl-PL" sz="800" dirty="0" err="1" smtClean="0">
+                <a:latin typeface="Courier New" panose="02070309020205020404" pitchFamily="49" charset="0"/>
+                <a:cs typeface="Courier New" panose="02070309020205020404" pitchFamily="49" charset="0"/>
+              </a:rPr>
+              <a:t>an</a:t>
+            </a:r>
+            <a:r>
+              <a:rPr lang="pl-PL" sz="800" dirty="0" smtClean="0">
+                <a:latin typeface="Courier New" panose="02070309020205020404" pitchFamily="49" charset="0"/>
+                <a:cs typeface="Courier New" panose="02070309020205020404" pitchFamily="49" charset="0"/>
+              </a:rPr>
+              <a:t> %s (%</a:t>
+            </a:r>
+            <a:r>
+              <a:rPr lang="pl-PL" sz="800" dirty="0" err="1" smtClean="0">
+                <a:latin typeface="Courier New" panose="02070309020205020404" pitchFamily="49" charset="0"/>
+                <a:cs typeface="Courier New" panose="02070309020205020404" pitchFamily="49" charset="0"/>
+              </a:rPr>
+              <a:t>cr</a:t>
+            </a:r>
+            <a:r>
+              <a:rPr lang="pl-PL" sz="800" dirty="0" smtClean="0">
+                <a:latin typeface="Courier New" panose="02070309020205020404" pitchFamily="49" charset="0"/>
+                <a:cs typeface="Courier New" panose="02070309020205020404" pitchFamily="49" charset="0"/>
+              </a:rPr>
+              <a:t>)</a:t>
+            </a:r>
+          </a:p>
+          <a:p>
+            <a:pPr lvl="1">
+              <a:buFont typeface="Wingdings" panose="05000000000000000000" pitchFamily="2" charset="2"/>
+              <a:buChar char="§"/>
+            </a:pPr>
+            <a:r>
+              <a:rPr lang="pl-PL" sz="800" dirty="0" smtClean="0">
+                <a:latin typeface="Courier New" panose="02070309020205020404" pitchFamily="49" charset="0"/>
+                <a:cs typeface="Courier New" panose="02070309020205020404" pitchFamily="49" charset="0"/>
+              </a:rPr>
+              <a:t>git </a:t>
+            </a:r>
+            <a:r>
+              <a:rPr lang="pl-PL" sz="800" dirty="0" err="1" smtClean="0">
+                <a:latin typeface="Courier New" panose="02070309020205020404" pitchFamily="49" charset="0"/>
+                <a:cs typeface="Courier New" panose="02070309020205020404" pitchFamily="49" charset="0"/>
+              </a:rPr>
+              <a:t>shortlog</a:t>
+            </a:r>
+            <a:endParaRPr lang="en-US" sz="1200" dirty="0">
+              <a:latin typeface="Courier New" panose="02070309020205020404" pitchFamily="49" charset="0"/>
+              <a:cs typeface="Courier New" panose="02070309020205020404" pitchFamily="49" charset="0"/>
+            </a:endParaRPr>
+          </a:p>
+        </p:txBody>
+      </p:sp>
+    </p:spTree>
+    <p:extLst>
+      <p:ext uri="{BB962C8B-B14F-4D97-AF65-F5344CB8AC3E}">
+        <p14:creationId xmlns:p14="http://schemas.microsoft.com/office/powerpoint/2010/main" val="3093268055"/>
+      </p:ext>
+    </p:extLst>
+  </p:cSld>
+  <p:clrMapOvr>
+    <a:masterClrMapping/>
+  </p:clrMapOvr>
+</p:sld>
+</file>
+
+<file path=ppt/slides/slide16.xml><?xml version="1.0" encoding="utf-8"?>
+<p:sld xmlns:a="http://schemas.openxmlformats.org/drawingml/2006/main" xmlns:r="http://schemas.openxmlformats.org/officeDocument/2006/relationships" xmlns:p="http://schemas.openxmlformats.org/presentationml/2006/main">
+  <p:cSld>
+    <p:spTree>
+      <p:nvGrpSpPr>
+        <p:cNvPr id="1" name=""/>
+        <p:cNvGrpSpPr/>
+        <p:nvPr/>
+      </p:nvGrpSpPr>
+      <p:grpSpPr>
+        <a:xfrm>
+          <a:off x="0" y="0"/>
+          <a:ext cx="0" cy="0"/>
+          <a:chOff x="0" y="0"/>
+          <a:chExt cx="0" cy="0"/>
+        </a:xfrm>
+      </p:grpSpPr>
+      <p:sp>
+        <p:nvSpPr>
+          <p:cNvPr id="3" name="Symbol zastępczy zawartości 2"/>
+          <p:cNvSpPr>
+            <a:spLocks noGrp="1"/>
+          </p:cNvSpPr>
+          <p:nvPr>
+            <p:ph idx="1"/>
+          </p:nvPr>
+        </p:nvSpPr>
+        <p:spPr/>
+        <p:txBody>
+          <a:bodyPr>
+            <a:normAutofit/>
+          </a:bodyPr>
+          <a:lstStyle/>
+          <a:p>
+            <a:pPr marL="0" indent="0">
+              <a:buNone/>
+            </a:pPr>
+            <a:r>
+              <a:rPr lang="pl-PL" sz="1800" b="1" dirty="0" smtClean="0"/>
+              <a:t>Polecenia</a:t>
+            </a:r>
+          </a:p>
+          <a:p>
+            <a:r>
+              <a:rPr lang="pl-PL" sz="1200" b="1" dirty="0" smtClean="0"/>
+              <a:t>Rozwój aplikacji </a:t>
+            </a:r>
+            <a:r>
+              <a:rPr lang="pl-PL" sz="1200" b="1" dirty="0" smtClean="0"/>
+              <a:t>– gałęzie</a:t>
+            </a:r>
+          </a:p>
+          <a:p>
+            <a:pPr marL="0" indent="0">
+              <a:buNone/>
+            </a:pPr>
+            <a:endParaRPr lang="pl-PL" sz="1200" b="1" dirty="0" smtClean="0"/>
+          </a:p>
+          <a:p>
+            <a:pPr lvl="1">
+              <a:buFont typeface="Wingdings" panose="05000000000000000000" pitchFamily="2" charset="2"/>
+              <a:buChar char="§"/>
+            </a:pPr>
+            <a:r>
+              <a:rPr lang="fr-FR" sz="800" dirty="0">
+                <a:latin typeface="Courier New" panose="02070309020205020404" pitchFamily="49" charset="0"/>
+                <a:cs typeface="Courier New" panose="02070309020205020404" pitchFamily="49" charset="0"/>
+              </a:rPr>
+              <a:t>git checkout nazwa_brancha</a:t>
+            </a:r>
+          </a:p>
+          <a:p>
+            <a:pPr lvl="1">
+              <a:buFont typeface="Wingdings" panose="05000000000000000000" pitchFamily="2" charset="2"/>
+              <a:buChar char="§"/>
+            </a:pPr>
+            <a:r>
+              <a:rPr lang="fr-FR" sz="800" dirty="0">
+                <a:latin typeface="Courier New" panose="02070309020205020404" pitchFamily="49" charset="0"/>
+                <a:cs typeface="Courier New" panose="02070309020205020404" pitchFamily="49" charset="0"/>
+              </a:rPr>
+              <a:t>git checkout -b”nowy_branch”</a:t>
+            </a:r>
+          </a:p>
+          <a:p>
+            <a:pPr lvl="1">
+              <a:buFont typeface="Wingdings" panose="05000000000000000000" pitchFamily="2" charset="2"/>
+              <a:buChar char="§"/>
+            </a:pPr>
+            <a:r>
+              <a:rPr lang="fr-FR" sz="800" dirty="0">
+                <a:latin typeface="Courier New" panose="02070309020205020404" pitchFamily="49" charset="0"/>
+                <a:cs typeface="Courier New" panose="02070309020205020404" pitchFamily="49" charset="0"/>
+              </a:rPr>
+              <a:t>git checkout -</a:t>
+            </a:r>
+          </a:p>
+          <a:p>
+            <a:pPr lvl="1">
+              <a:buFont typeface="Wingdings" panose="05000000000000000000" pitchFamily="2" charset="2"/>
+              <a:buChar char="§"/>
+            </a:pPr>
+            <a:r>
+              <a:rPr lang="fr-FR" sz="800" dirty="0">
+                <a:latin typeface="Courier New" panose="02070309020205020404" pitchFamily="49" charset="0"/>
+                <a:cs typeface="Courier New" panose="02070309020205020404" pitchFamily="49" charset="0"/>
+              </a:rPr>
               <a:t>git checkout nazwa_pliku</a:t>
             </a:r>
           </a:p>
@@ -4754,7 +5058,7 @@
 </p:sld>
 </file>
 
-<file path=ppt/slides/slide16.xml><?xml version="1.0" encoding="utf-8"?>
+<file path=ppt/slides/slide17.xml><?xml version="1.0" encoding="utf-8"?>
 <p:sld xmlns:a="http://schemas.openxmlformats.org/drawingml/2006/main" xmlns:r="http://schemas.openxmlformats.org/officeDocument/2006/relationships" xmlns:p="http://schemas.openxmlformats.org/presentationml/2006/main">
   <p:cSld>
     <p:spTree>
@@ -4853,7 +5157,7 @@
 </p:sld>
 </file>
 
-<file path=ppt/slides/slide17.xml><?xml version="1.0" encoding="utf-8"?>
+<file path=ppt/slides/slide18.xml><?xml version="1.0" encoding="utf-8"?>
 <p:sld xmlns:a="http://schemas.openxmlformats.org/drawingml/2006/main" xmlns:r="http://schemas.openxmlformats.org/officeDocument/2006/relationships" xmlns:p="http://schemas.openxmlformats.org/presentationml/2006/main">
   <p:cSld>
     <p:spTree>
@@ -4952,7 +5256,7 @@
 </p:sld>
 </file>
 
-<file path=ppt/slides/slide18.xml><?xml version="1.0" encoding="utf-8"?>
+<file path=ppt/slides/slide19.xml><?xml version="1.0" encoding="utf-8"?>
 <p:sld xmlns:a="http://schemas.openxmlformats.org/drawingml/2006/main" xmlns:r="http://schemas.openxmlformats.org/officeDocument/2006/relationships" xmlns:p="http://schemas.openxmlformats.org/presentationml/2006/main">
   <p:cSld>
     <p:spTree>
@@ -5295,7 +5599,110 @@
 </p:sld>
 </file>
 
-<file path=ppt/slides/slide19.xml><?xml version="1.0" encoding="utf-8"?>
+<file path=ppt/slides/slide2.xml><?xml version="1.0" encoding="utf-8"?>
+<p:sld xmlns:a="http://schemas.openxmlformats.org/drawingml/2006/main" xmlns:r="http://schemas.openxmlformats.org/officeDocument/2006/relationships" xmlns:p="http://schemas.openxmlformats.org/presentationml/2006/main">
+  <p:cSld>
+    <p:spTree>
+      <p:nvGrpSpPr>
+        <p:cNvPr id="1" name=""/>
+        <p:cNvGrpSpPr/>
+        <p:nvPr/>
+      </p:nvGrpSpPr>
+      <p:grpSpPr>
+        <a:xfrm>
+          <a:off x="0" y="0"/>
+          <a:ext cx="0" cy="0"/>
+          <a:chOff x="0" y="0"/>
+          <a:chExt cx="0" cy="0"/>
+        </a:xfrm>
+      </p:grpSpPr>
+      <p:sp>
+        <p:nvSpPr>
+          <p:cNvPr id="3" name="Symbol zastępczy zawartości 2"/>
+          <p:cNvSpPr>
+            <a:spLocks noGrp="1"/>
+          </p:cNvSpPr>
+          <p:nvPr>
+            <p:ph idx="1"/>
+          </p:nvPr>
+        </p:nvSpPr>
+        <p:spPr/>
+        <p:txBody>
+          <a:bodyPr>
+            <a:normAutofit/>
+          </a:bodyPr>
+          <a:lstStyle/>
+          <a:p>
+            <a:pPr marL="0" indent="0">
+              <a:buNone/>
+            </a:pPr>
+            <a:r>
+              <a:rPr lang="pl-PL" sz="1800" b="1" dirty="0" smtClean="0"/>
+              <a:t>Software Development Life </a:t>
+            </a:r>
+            <a:r>
+              <a:rPr lang="pl-PL" sz="1800" b="1" dirty="0" err="1" smtClean="0"/>
+              <a:t>Cycle</a:t>
+            </a:r>
+            <a:endParaRPr lang="pl-PL" sz="1800" b="1" dirty="0" smtClean="0"/>
+          </a:p>
+        </p:txBody>
+      </p:sp>
+      <p:pic>
+        <p:nvPicPr>
+          <p:cNvPr id="4" name="Picture 4" descr="DevOps and Agile Methodologies in your Software Development Life Cycle –  Denken Solutions — Blog"/>
+          <p:cNvPicPr>
+            <a:picLocks noChangeAspect="1" noChangeArrowheads="1"/>
+          </p:cNvPicPr>
+          <p:nvPr/>
+        </p:nvPicPr>
+        <p:blipFill>
+          <a:blip r:embed="rId2" cstate="print">
+            <a:extLst>
+              <a:ext uri="{28A0092B-C50C-407E-A947-70E740481C1C}">
+                <a14:useLocalDpi xmlns:a14="http://schemas.microsoft.com/office/drawing/2010/main" val="0"/>
+              </a:ext>
+            </a:extLst>
+          </a:blip>
+          <a:srcRect/>
+          <a:stretch>
+            <a:fillRect/>
+          </a:stretch>
+        </p:blipFill>
+        <p:spPr bwMode="auto">
+          <a:xfrm>
+            <a:off x="2421685" y="1851670"/>
+            <a:ext cx="4300630" cy="2808312"/>
+          </a:xfrm>
+          <a:prstGeom prst="rect">
+            <a:avLst/>
+          </a:prstGeom>
+          <a:noFill/>
+          <a:extLst>
+            <a:ext uri="{909E8E84-426E-40DD-AFC4-6F175D3DCCD1}">
+              <a14:hiddenFill xmlns:a14="http://schemas.microsoft.com/office/drawing/2010/main">
+                <a:solidFill>
+                  <a:srgbClr val="FFFFFF"/>
+                </a:solidFill>
+              </a14:hiddenFill>
+            </a:ext>
+          </a:extLst>
+        </p:spPr>
+      </p:pic>
+    </p:spTree>
+    <p:extLst>
+      <p:ext uri="{BB962C8B-B14F-4D97-AF65-F5344CB8AC3E}">
+        <p14:creationId xmlns:p14="http://schemas.microsoft.com/office/powerpoint/2010/main" val="1797439306"/>
+      </p:ext>
+    </p:extLst>
+  </p:cSld>
+  <p:clrMapOvr>
+    <a:masterClrMapping/>
+  </p:clrMapOvr>
+</p:sld>
+</file>
+
+<file path=ppt/slides/slide20.xml><?xml version="1.0" encoding="utf-8"?>
 <p:sld xmlns:a="http://schemas.openxmlformats.org/drawingml/2006/main" xmlns:r="http://schemas.openxmlformats.org/officeDocument/2006/relationships" xmlns:p="http://schemas.openxmlformats.org/presentationml/2006/main">
   <p:cSld>
     <p:spTree>
@@ -5695,110 +6102,7 @@
 </p:sld>
 </file>
 
-<file path=ppt/slides/slide2.xml><?xml version="1.0" encoding="utf-8"?>
-<p:sld xmlns:a="http://schemas.openxmlformats.org/drawingml/2006/main" xmlns:r="http://schemas.openxmlformats.org/officeDocument/2006/relationships" xmlns:p="http://schemas.openxmlformats.org/presentationml/2006/main">
-  <p:cSld>
-    <p:spTree>
-      <p:nvGrpSpPr>
-        <p:cNvPr id="1" name=""/>
-        <p:cNvGrpSpPr/>
-        <p:nvPr/>
-      </p:nvGrpSpPr>
-      <p:grpSpPr>
-        <a:xfrm>
-          <a:off x="0" y="0"/>
-          <a:ext cx="0" cy="0"/>
-          <a:chOff x="0" y="0"/>
-          <a:chExt cx="0" cy="0"/>
-        </a:xfrm>
-      </p:grpSpPr>
-      <p:sp>
-        <p:nvSpPr>
-          <p:cNvPr id="3" name="Symbol zastępczy zawartości 2"/>
-          <p:cNvSpPr>
-            <a:spLocks noGrp="1"/>
-          </p:cNvSpPr>
-          <p:nvPr>
-            <p:ph idx="1"/>
-          </p:nvPr>
-        </p:nvSpPr>
-        <p:spPr/>
-        <p:txBody>
-          <a:bodyPr>
-            <a:normAutofit/>
-          </a:bodyPr>
-          <a:lstStyle/>
-          <a:p>
-            <a:pPr marL="0" indent="0">
-              <a:buNone/>
-            </a:pPr>
-            <a:r>
-              <a:rPr lang="pl-PL" sz="1800" b="1" dirty="0" smtClean="0"/>
-              <a:t>Software Development Life </a:t>
-            </a:r>
-            <a:r>
-              <a:rPr lang="pl-PL" sz="1800" b="1" dirty="0" err="1" smtClean="0"/>
-              <a:t>Cycle</a:t>
-            </a:r>
-            <a:endParaRPr lang="pl-PL" sz="1800" b="1" dirty="0" smtClean="0"/>
-          </a:p>
-        </p:txBody>
-      </p:sp>
-      <p:pic>
-        <p:nvPicPr>
-          <p:cNvPr id="4" name="Picture 4" descr="DevOps and Agile Methodologies in your Software Development Life Cycle –  Denken Solutions — Blog"/>
-          <p:cNvPicPr>
-            <a:picLocks noChangeAspect="1" noChangeArrowheads="1"/>
-          </p:cNvPicPr>
-          <p:nvPr/>
-        </p:nvPicPr>
-        <p:blipFill>
-          <a:blip r:embed="rId2" cstate="print">
-            <a:extLst>
-              <a:ext uri="{28A0092B-C50C-407E-A947-70E740481C1C}">
-                <a14:useLocalDpi xmlns:a14="http://schemas.microsoft.com/office/drawing/2010/main" val="0"/>
-              </a:ext>
-            </a:extLst>
-          </a:blip>
-          <a:srcRect/>
-          <a:stretch>
-            <a:fillRect/>
-          </a:stretch>
-        </p:blipFill>
-        <p:spPr bwMode="auto">
-          <a:xfrm>
-            <a:off x="2421685" y="1851670"/>
-            <a:ext cx="4300630" cy="2808312"/>
-          </a:xfrm>
-          <a:prstGeom prst="rect">
-            <a:avLst/>
-          </a:prstGeom>
-          <a:noFill/>
-          <a:extLst>
-            <a:ext uri="{909E8E84-426E-40DD-AFC4-6F175D3DCCD1}">
-              <a14:hiddenFill xmlns:a14="http://schemas.microsoft.com/office/drawing/2010/main">
-                <a:solidFill>
-                  <a:srgbClr val="FFFFFF"/>
-                </a:solidFill>
-              </a14:hiddenFill>
-            </a:ext>
-          </a:extLst>
-        </p:spPr>
-      </p:pic>
-    </p:spTree>
-    <p:extLst>
-      <p:ext uri="{BB962C8B-B14F-4D97-AF65-F5344CB8AC3E}">
-        <p14:creationId xmlns:p14="http://schemas.microsoft.com/office/powerpoint/2010/main" val="1797439306"/>
-      </p:ext>
-    </p:extLst>
-  </p:cSld>
-  <p:clrMapOvr>
-    <a:masterClrMapping/>
-  </p:clrMapOvr>
-</p:sld>
-</file>
-
-<file path=ppt/slides/slide20.xml><?xml version="1.0" encoding="utf-8"?>
+<file path=ppt/slides/slide21.xml><?xml version="1.0" encoding="utf-8"?>
 <p:sld xmlns:a="http://schemas.openxmlformats.org/drawingml/2006/main" xmlns:r="http://schemas.openxmlformats.org/officeDocument/2006/relationships" xmlns:p="http://schemas.openxmlformats.org/presentationml/2006/main">
   <p:cSld>
     <p:spTree>
@@ -6226,7 +6530,7 @@
 </p:sld>
 </file>
 
-<file path=ppt/slides/slide21.xml><?xml version="1.0" encoding="utf-8"?>
+<file path=ppt/slides/slide22.xml><?xml version="1.0" encoding="utf-8"?>
 <p:sld xmlns:a="http://schemas.openxmlformats.org/drawingml/2006/main" xmlns:r="http://schemas.openxmlformats.org/officeDocument/2006/relationships" xmlns:p="http://schemas.openxmlformats.org/presentationml/2006/main">
   <p:cSld>
     <p:spTree>
@@ -6569,7 +6873,7 @@
 </p:sld>
 </file>
 
-<file path=ppt/slides/slide22.xml><?xml version="1.0" encoding="utf-8"?>
+<file path=ppt/slides/slide23.xml><?xml version="1.0" encoding="utf-8"?>
 <p:sld xmlns:a="http://schemas.openxmlformats.org/drawingml/2006/main" xmlns:r="http://schemas.openxmlformats.org/officeDocument/2006/relationships" xmlns:p="http://schemas.openxmlformats.org/presentationml/2006/main">
   <p:cSld>
     <p:spTree>
@@ -6689,7 +6993,7 @@
 </p:sld>
 </file>
 
-<file path=ppt/slides/slide23.xml><?xml version="1.0" encoding="utf-8"?>
+<file path=ppt/slides/slide24.xml><?xml version="1.0" encoding="utf-8"?>
 <p:sld xmlns:a="http://schemas.openxmlformats.org/drawingml/2006/main" xmlns:r="http://schemas.openxmlformats.org/officeDocument/2006/relationships" xmlns:p="http://schemas.openxmlformats.org/presentationml/2006/main">
   <p:cSld>
     <p:spTree>
@@ -6735,6 +7039,12 @@
             <a:pPr marL="0" indent="0">
               <a:buNone/>
             </a:pPr>
+            <a:endParaRPr lang="pl-PL" sz="1200" dirty="0" smtClean="0"/>
+          </a:p>
+          <a:p>
+            <a:pPr marL="0" indent="0">
+              <a:buNone/>
+            </a:pPr>
             <a:r>
               <a:rPr lang="en-US" sz="1200" dirty="0">
                 <a:hlinkClick r:id="rId2"/>
@@ -6819,6 +7129,114 @@
               </a:rPr>
               <a:t>pl.wikipedia.org/wiki/Programowanie_zwinne</a:t>
             </a:r>
+            <a:endParaRPr lang="pl-PL" sz="1200" dirty="0" smtClean="0"/>
+          </a:p>
+          <a:p>
+            <a:pPr marL="0" indent="0">
+              <a:buNone/>
+            </a:pPr>
+            <a:r>
+              <a:rPr lang="pl-PL" sz="1200" dirty="0">
+                <a:hlinkClick r:id="rId7"/>
+              </a:rPr>
+              <a:t>https://greenido.wordpress.com/2011/04/20/git-101-quick-start-guide</a:t>
+            </a:r>
+            <a:r>
+              <a:rPr lang="pl-PL" sz="1200" dirty="0" smtClean="0">
+                <a:hlinkClick r:id="rId7"/>
+              </a:rPr>
+              <a:t>/</a:t>
+            </a:r>
+            <a:endParaRPr lang="pl-PL" sz="1200" dirty="0" smtClean="0"/>
+          </a:p>
+          <a:p>
+            <a:pPr marL="0" indent="0">
+              <a:buNone/>
+            </a:pPr>
+            <a:r>
+              <a:rPr lang="pl-PL" sz="1200" dirty="0">
+                <a:hlinkClick r:id="rId8"/>
+              </a:rPr>
+              <a:t>https://greenido.wordpress.com/2013/07/22/git-101-useful-commands</a:t>
+            </a:r>
+            <a:r>
+              <a:rPr lang="pl-PL" sz="1200" dirty="0" smtClean="0">
+                <a:hlinkClick r:id="rId8"/>
+              </a:rPr>
+              <a:t>/</a:t>
+            </a:r>
+            <a:endParaRPr lang="pl-PL" sz="1200" dirty="0" smtClean="0"/>
+          </a:p>
+          <a:p>
+            <a:pPr marL="0" indent="0">
+              <a:buNone/>
+            </a:pPr>
+            <a:r>
+              <a:rPr lang="pl-PL" sz="1200" dirty="0" smtClean="0">
+                <a:hlinkClick r:id="rId9"/>
+              </a:rPr>
+              <a:t>https</a:t>
+            </a:r>
+            <a:r>
+              <a:rPr lang="pl-PL" sz="1200" dirty="0">
+                <a:hlinkClick r:id="rId9"/>
+              </a:rPr>
+              <a:t>://greenido.wordpress.com/2014/08/03/git-101-part-2-a-bit-more-advance-commands</a:t>
+            </a:r>
+            <a:r>
+              <a:rPr lang="pl-PL" sz="1200" dirty="0" smtClean="0">
+                <a:hlinkClick r:id="rId9"/>
+              </a:rPr>
+              <a:t>/</a:t>
+            </a:r>
+            <a:endParaRPr lang="pl-PL" sz="1200" dirty="0" smtClean="0"/>
+          </a:p>
+          <a:p>
+            <a:pPr marL="0" indent="0">
+              <a:buNone/>
+            </a:pPr>
+            <a:r>
+              <a:rPr lang="pl-PL" sz="1200" dirty="0">
+                <a:hlinkClick r:id="rId10"/>
+              </a:rPr>
+              <a:t>https://</a:t>
+            </a:r>
+            <a:r>
+              <a:rPr lang="pl-PL" sz="1200" dirty="0" smtClean="0">
+                <a:hlinkClick r:id="rId10"/>
+              </a:rPr>
+              <a:t>www.atlassian.com/git/tutorials</a:t>
+            </a:r>
+            <a:endParaRPr lang="pl-PL" sz="1200" dirty="0" smtClean="0"/>
+          </a:p>
+          <a:p>
+            <a:pPr marL="0" indent="0">
+              <a:buNone/>
+            </a:pPr>
+            <a:r>
+              <a:rPr lang="pl-PL" sz="1200" dirty="0">
+                <a:hlinkClick r:id="rId11"/>
+              </a:rPr>
+              <a:t>https://</a:t>
+            </a:r>
+            <a:r>
+              <a:rPr lang="pl-PL" sz="1200" dirty="0" smtClean="0">
+                <a:hlinkClick r:id="rId11"/>
+              </a:rPr>
+              <a:t>git-scm.com/downloads/guis</a:t>
+            </a:r>
+            <a:endParaRPr lang="pl-PL" sz="1200" dirty="0" smtClean="0"/>
+          </a:p>
+          <a:p>
+            <a:pPr marL="0" indent="0">
+              <a:buNone/>
+            </a:pPr>
+            <a:endParaRPr lang="pl-PL" sz="1200" dirty="0" smtClean="0"/>
+          </a:p>
+          <a:p>
+            <a:pPr marL="0" indent="0">
+              <a:buNone/>
+            </a:pPr>
             <a:endParaRPr lang="pl-PL" sz="1200" dirty="0" smtClean="0"/>
           </a:p>
           <a:p>
@@ -6854,7 +7272,7 @@
 </p:sld>
 </file>
 
-<file path=ppt/slides/slide24.xml><?xml version="1.0" encoding="utf-8"?>
+<file path=ppt/slides/slide25.xml><?xml version="1.0" encoding="utf-8"?>
 <p:sld xmlns:a="http://schemas.openxmlformats.org/drawingml/2006/main" xmlns:r="http://schemas.openxmlformats.org/officeDocument/2006/relationships" xmlns:p="http://schemas.openxmlformats.org/presentationml/2006/main">
   <p:cSld>
     <p:bg>
@@ -7263,7 +7681,6 @@
               <a:rPr lang="pl-PL" sz="1800" b="1" dirty="0" smtClean="0"/>
               <a:t>Version Control System (VCS)</a:t>
             </a:r>
-            <a:endParaRPr lang="pl-PL" sz="1800" b="1" dirty="0" smtClean="0"/>
           </a:p>
           <a:p>
             <a:pPr marL="0" indent="0">
@@ -7282,7 +7699,6 @@
               <a:rPr lang="pl-PL" sz="1800" b="1" dirty="0" smtClean="0"/>
               <a:t>GitLab </a:t>
             </a:r>
-            <a:endParaRPr lang="pl-PL" sz="1800" b="1" dirty="0" smtClean="0"/>
           </a:p>
           <a:p>
             <a:r>
@@ -7305,7 +7721,6 @@
               <a:rPr lang="pl-PL" sz="1800" b="1" dirty="0" smtClean="0"/>
               <a:t>CVS</a:t>
             </a:r>
-            <a:endParaRPr lang="pl-PL" sz="1800" b="1" dirty="0" smtClean="0"/>
           </a:p>
         </p:txBody>
       </p:sp>
@@ -7332,7 +7747,7 @@
         </p:blipFill>
         <p:spPr bwMode="auto">
           <a:xfrm>
-            <a:off x="3563888" y="2571750"/>
+            <a:off x="2843808" y="2355726"/>
             <a:ext cx="1729618" cy="722258"/>
           </a:xfrm>
           <a:prstGeom prst="rect">
@@ -7373,7 +7788,7 @@
         </p:blipFill>
         <p:spPr bwMode="auto">
           <a:xfrm>
-            <a:off x="6156176" y="3326106"/>
+            <a:off x="5004048" y="3470328"/>
             <a:ext cx="2088232" cy="741322"/>
           </a:xfrm>
           <a:prstGeom prst="rect">
@@ -7414,7 +7829,7 @@
         </p:blipFill>
         <p:spPr bwMode="auto">
           <a:xfrm>
-            <a:off x="6156175" y="1635646"/>
+            <a:off x="5132061" y="1347614"/>
             <a:ext cx="2048227" cy="1152128"/>
           </a:xfrm>
           <a:prstGeom prst="rect">
@@ -7525,13 +7940,8 @@
             </a:pPr>
             <a:r>
               <a:rPr lang="pl-PL" sz="1800" b="1" dirty="0" smtClean="0"/>
-              <a:t>Software </a:t>
-            </a:r>
-            <a:r>
-              <a:rPr lang="pl-PL" sz="1800" b="1" dirty="0" smtClean="0"/>
-              <a:t>Development</a:t>
-            </a:r>
-            <a:endParaRPr lang="pl-PL" sz="1800" b="1" dirty="0" smtClean="0"/>
+              <a:t>Software Development</a:t>
+            </a:r>
           </a:p>
           <a:p>
             <a:pPr marL="0" indent="0">
@@ -7564,7 +7974,7 @@
         </p:blipFill>
         <p:spPr bwMode="auto">
           <a:xfrm>
-            <a:off x="3857246" y="1844209"/>
+            <a:off x="3240122" y="1844209"/>
             <a:ext cx="2663757" cy="1364901"/>
           </a:xfrm>
           <a:prstGeom prst="rect">
@@ -7605,7 +8015,7 @@
         </p:blipFill>
         <p:spPr bwMode="auto">
           <a:xfrm>
-            <a:off x="3203848" y="3363838"/>
+            <a:off x="2586724" y="3363838"/>
             <a:ext cx="3970552" cy="1152128"/>
           </a:xfrm>
           <a:prstGeom prst="rect">
@@ -7704,7 +8114,7 @@
         </p:blipFill>
         <p:spPr bwMode="auto">
           <a:xfrm>
-            <a:off x="3059832" y="1635646"/>
+            <a:off x="1969330" y="1635646"/>
             <a:ext cx="5205340" cy="2736304"/>
           </a:xfrm>
           <a:prstGeom prst="rect">
@@ -7754,6 +8164,158 @@
       </p:grpSpPr>
       <p:sp>
         <p:nvSpPr>
+          <p:cNvPr id="5" name="Strzałka w prawo 4"/>
+          <p:cNvSpPr/>
+          <p:nvPr/>
+        </p:nvSpPr>
+        <p:spPr>
+          <a:xfrm rot="5400000">
+            <a:off x="1299160" y="2845279"/>
+            <a:ext cx="1800000" cy="144000"/>
+          </a:xfrm>
+          <a:prstGeom prst="rightArrow">
+            <a:avLst/>
+          </a:prstGeom>
+        </p:spPr>
+        <p:style>
+          <a:lnRef idx="1">
+            <a:schemeClr val="accent3"/>
+          </a:lnRef>
+          <a:fillRef idx="2">
+            <a:schemeClr val="accent3"/>
+          </a:fillRef>
+          <a:effectRef idx="1">
+            <a:schemeClr val="accent3"/>
+          </a:effectRef>
+          <a:fontRef idx="minor">
+            <a:schemeClr val="dk1"/>
+          </a:fontRef>
+        </p:style>
+        <p:txBody>
+          <a:bodyPr rtlCol="0" anchor="ctr"/>
+          <a:lstStyle/>
+          <a:p>
+            <a:pPr algn="ctr"/>
+            <a:endParaRPr lang="pl-PL"/>
+          </a:p>
+        </p:txBody>
+      </p:sp>
+      <p:sp>
+        <p:nvSpPr>
+          <p:cNvPr id="10" name="Strzałka w prawo 9"/>
+          <p:cNvSpPr/>
+          <p:nvPr/>
+        </p:nvSpPr>
+        <p:spPr>
+          <a:xfrm rot="5400000">
+            <a:off x="173639" y="2845279"/>
+            <a:ext cx="1800000" cy="144000"/>
+          </a:xfrm>
+          <a:prstGeom prst="rightArrow">
+            <a:avLst/>
+          </a:prstGeom>
+        </p:spPr>
+        <p:style>
+          <a:lnRef idx="1">
+            <a:schemeClr val="dk1"/>
+          </a:lnRef>
+          <a:fillRef idx="2">
+            <a:schemeClr val="dk1"/>
+          </a:fillRef>
+          <a:effectRef idx="1">
+            <a:schemeClr val="dk1"/>
+          </a:effectRef>
+          <a:fontRef idx="minor">
+            <a:schemeClr val="dk1"/>
+          </a:fontRef>
+        </p:style>
+        <p:txBody>
+          <a:bodyPr rtlCol="0" anchor="ctr"/>
+          <a:lstStyle/>
+          <a:p>
+            <a:pPr algn="ctr"/>
+            <a:endParaRPr lang="pl-PL"/>
+          </a:p>
+        </p:txBody>
+      </p:sp>
+      <p:sp>
+        <p:nvSpPr>
+          <p:cNvPr id="11" name="Strzałka w prawo 10"/>
+          <p:cNvSpPr/>
+          <p:nvPr/>
+        </p:nvSpPr>
+        <p:spPr>
+          <a:xfrm rot="5400000">
+            <a:off x="2353182" y="2787662"/>
+            <a:ext cx="1800000" cy="144000"/>
+          </a:xfrm>
+          <a:prstGeom prst="rightArrow">
+            <a:avLst/>
+          </a:prstGeom>
+        </p:spPr>
+        <p:style>
+          <a:lnRef idx="1">
+            <a:schemeClr val="accent2"/>
+          </a:lnRef>
+          <a:fillRef idx="2">
+            <a:schemeClr val="accent2"/>
+          </a:fillRef>
+          <a:effectRef idx="1">
+            <a:schemeClr val="accent2"/>
+          </a:effectRef>
+          <a:fontRef idx="minor">
+            <a:schemeClr val="dk1"/>
+          </a:fontRef>
+        </p:style>
+        <p:txBody>
+          <a:bodyPr rtlCol="0" anchor="ctr"/>
+          <a:lstStyle/>
+          <a:p>
+            <a:pPr algn="ctr"/>
+            <a:endParaRPr lang="pl-PL"/>
+          </a:p>
+        </p:txBody>
+      </p:sp>
+      <p:sp>
+        <p:nvSpPr>
+          <p:cNvPr id="12" name="Strzałka w prawo 11"/>
+          <p:cNvSpPr/>
+          <p:nvPr/>
+        </p:nvSpPr>
+        <p:spPr>
+          <a:xfrm rot="5400000">
+            <a:off x="3599780" y="2787662"/>
+            <a:ext cx="1800000" cy="144000"/>
+          </a:xfrm>
+          <a:prstGeom prst="rightArrow">
+            <a:avLst/>
+          </a:prstGeom>
+        </p:spPr>
+        <p:style>
+          <a:lnRef idx="1">
+            <a:schemeClr val="accent6"/>
+          </a:lnRef>
+          <a:fillRef idx="2">
+            <a:schemeClr val="accent6"/>
+          </a:fillRef>
+          <a:effectRef idx="1">
+            <a:schemeClr val="accent6"/>
+          </a:effectRef>
+          <a:fontRef idx="minor">
+            <a:schemeClr val="dk1"/>
+          </a:fontRef>
+        </p:style>
+        <p:txBody>
+          <a:bodyPr rtlCol="0" anchor="ctr"/>
+          <a:lstStyle/>
+          <a:p>
+            <a:pPr algn="ctr"/>
+            <a:endParaRPr lang="pl-PL"/>
+          </a:p>
+        </p:txBody>
+      </p:sp>
+      <p:sp>
+        <p:nvSpPr>
           <p:cNvPr id="3" name="Symbol zastępczy zawartości 2"/>
           <p:cNvSpPr>
             <a:spLocks noGrp="1"/>
@@ -7780,47 +8342,476 @@
           </a:p>
         </p:txBody>
       </p:sp>
-      <p:pic>
-        <p:nvPicPr>
-          <p:cNvPr id="4" name="Picture 2" descr="Git - zaawansowane działania - część I • Witold Ciżmowski"/>
-          <p:cNvPicPr>
-            <a:picLocks noChangeAspect="1" noChangeArrowheads="1"/>
-          </p:cNvPicPr>
+      <p:sp>
+        <p:nvSpPr>
+          <p:cNvPr id="2" name="Prostokąt zaokrąglony 1"/>
+          <p:cNvSpPr/>
           <p:nvPr/>
-        </p:nvPicPr>
-        <p:blipFill>
-          <a:blip r:embed="rId2">
-            <a:extLst>
-              <a:ext uri="{28A0092B-C50C-407E-A947-70E740481C1C}">
-                <a14:useLocalDpi xmlns:a14="http://schemas.microsoft.com/office/drawing/2010/main" val="0"/>
-              </a:ext>
-            </a:extLst>
-          </a:blip>
-          <a:srcRect/>
-          <a:stretch>
-            <a:fillRect/>
-          </a:stretch>
-        </p:blipFill>
-        <p:spPr bwMode="auto">
+        </p:nvSpPr>
+        <p:spPr>
           <a:xfrm>
-            <a:off x="2123728" y="1779662"/>
-            <a:ext cx="3748052" cy="2376264"/>
+            <a:off x="611560" y="1779662"/>
+            <a:ext cx="936000" cy="360000"/>
           </a:xfrm>
-          <a:prstGeom prst="rect">
+          <a:prstGeom prst="roundRect">
             <a:avLst/>
           </a:prstGeom>
-          <a:noFill/>
-          <a:extLst>
-            <a:ext uri="{909E8E84-426E-40DD-AFC4-6F175D3DCCD1}">
-              <a14:hiddenFill xmlns:a14="http://schemas.microsoft.com/office/drawing/2010/main">
-                <a:solidFill>
-                  <a:srgbClr val="FFFFFF"/>
-                </a:solidFill>
-              </a14:hiddenFill>
-            </a:ext>
-          </a:extLst>
         </p:spPr>
-      </p:pic>
+        <p:style>
+          <a:lnRef idx="1">
+            <a:schemeClr val="dk1"/>
+          </a:lnRef>
+          <a:fillRef idx="2">
+            <a:schemeClr val="dk1"/>
+          </a:fillRef>
+          <a:effectRef idx="1">
+            <a:schemeClr val="dk1"/>
+          </a:effectRef>
+          <a:fontRef idx="minor">
+            <a:schemeClr val="dk1"/>
+          </a:fontRef>
+        </p:style>
+        <p:txBody>
+          <a:bodyPr rtlCol="0" anchor="ctr"/>
+          <a:lstStyle/>
+          <a:p>
+            <a:pPr algn="ctr"/>
+            <a:r>
+              <a:rPr lang="pl-PL" sz="1050" dirty="0" err="1" smtClean="0"/>
+              <a:t>untracked</a:t>
+            </a:r>
+            <a:endParaRPr lang="pl-PL" sz="1050" dirty="0"/>
+          </a:p>
+        </p:txBody>
+      </p:sp>
+      <p:sp>
+        <p:nvSpPr>
+          <p:cNvPr id="6" name="Prostokąt zaokrąglony 5"/>
+          <p:cNvSpPr/>
+          <p:nvPr/>
+        </p:nvSpPr>
+        <p:spPr>
+          <a:xfrm>
+            <a:off x="1731160" y="1779662"/>
+            <a:ext cx="936000" cy="360000"/>
+          </a:xfrm>
+          <a:prstGeom prst="roundRect">
+            <a:avLst/>
+          </a:prstGeom>
+        </p:spPr>
+        <p:style>
+          <a:lnRef idx="1">
+            <a:schemeClr val="accent3"/>
+          </a:lnRef>
+          <a:fillRef idx="2">
+            <a:schemeClr val="accent3"/>
+          </a:fillRef>
+          <a:effectRef idx="1">
+            <a:schemeClr val="accent3"/>
+          </a:effectRef>
+          <a:fontRef idx="minor">
+            <a:schemeClr val="dk1"/>
+          </a:fontRef>
+        </p:style>
+        <p:txBody>
+          <a:bodyPr rtlCol="0" anchor="ctr"/>
+          <a:lstStyle/>
+          <a:p>
+            <a:pPr algn="ctr"/>
+            <a:r>
+              <a:rPr lang="pl-PL" sz="1050" dirty="0" err="1" smtClean="0"/>
+              <a:t>unmodified</a:t>
+            </a:r>
+            <a:endParaRPr lang="pl-PL" sz="1050" dirty="0"/>
+          </a:p>
+        </p:txBody>
+      </p:sp>
+      <p:sp>
+        <p:nvSpPr>
+          <p:cNvPr id="7" name="Prostokąt zaokrąglony 6"/>
+          <p:cNvSpPr/>
+          <p:nvPr/>
+        </p:nvSpPr>
+        <p:spPr>
+          <a:xfrm>
+            <a:off x="2785181" y="1779662"/>
+            <a:ext cx="936000" cy="360000"/>
+          </a:xfrm>
+          <a:prstGeom prst="roundRect">
+            <a:avLst/>
+          </a:prstGeom>
+        </p:spPr>
+        <p:style>
+          <a:lnRef idx="1">
+            <a:schemeClr val="accent2"/>
+          </a:lnRef>
+          <a:fillRef idx="2">
+            <a:schemeClr val="accent2"/>
+          </a:fillRef>
+          <a:effectRef idx="1">
+            <a:schemeClr val="accent2"/>
+          </a:effectRef>
+          <a:fontRef idx="minor">
+            <a:schemeClr val="dk1"/>
+          </a:fontRef>
+        </p:style>
+        <p:txBody>
+          <a:bodyPr rtlCol="0" anchor="ctr"/>
+          <a:lstStyle/>
+          <a:p>
+            <a:pPr algn="ctr"/>
+            <a:r>
+              <a:rPr lang="pl-PL" sz="1050" dirty="0" err="1" smtClean="0"/>
+              <a:t>modified</a:t>
+            </a:r>
+            <a:endParaRPr lang="pl-PL" sz="1050" dirty="0"/>
+          </a:p>
+        </p:txBody>
+      </p:sp>
+      <p:sp>
+        <p:nvSpPr>
+          <p:cNvPr id="8" name="Prostokąt zaokrąglony 7"/>
+          <p:cNvSpPr/>
+          <p:nvPr/>
+        </p:nvSpPr>
+        <p:spPr>
+          <a:xfrm>
+            <a:off x="4031780" y="1779662"/>
+            <a:ext cx="936000" cy="360000"/>
+          </a:xfrm>
+          <a:prstGeom prst="roundRect">
+            <a:avLst/>
+          </a:prstGeom>
+        </p:spPr>
+        <p:style>
+          <a:lnRef idx="1">
+            <a:schemeClr val="accent6"/>
+          </a:lnRef>
+          <a:fillRef idx="2">
+            <a:schemeClr val="accent6"/>
+          </a:fillRef>
+          <a:effectRef idx="1">
+            <a:schemeClr val="accent6"/>
+          </a:effectRef>
+          <a:fontRef idx="minor">
+            <a:schemeClr val="dk1"/>
+          </a:fontRef>
+        </p:style>
+        <p:txBody>
+          <a:bodyPr rtlCol="0" anchor="ctr"/>
+          <a:lstStyle/>
+          <a:p>
+            <a:pPr algn="ctr"/>
+            <a:r>
+              <a:rPr lang="pl-PL" sz="1050" dirty="0" err="1" smtClean="0"/>
+              <a:t>staged</a:t>
+            </a:r>
+            <a:endParaRPr lang="pl-PL" sz="1050" dirty="0"/>
+          </a:p>
+        </p:txBody>
+      </p:sp>
+      <p:sp>
+        <p:nvSpPr>
+          <p:cNvPr id="16" name="Prążkowana strzałka w prawo 15"/>
+          <p:cNvSpPr/>
+          <p:nvPr/>
+        </p:nvSpPr>
+        <p:spPr>
+          <a:xfrm>
+            <a:off x="1145637" y="2208249"/>
+            <a:ext cx="981521" cy="363463"/>
+          </a:xfrm>
+          <a:prstGeom prst="stripedRightArrow">
+            <a:avLst>
+              <a:gd name="adj1" fmla="val 50000"/>
+              <a:gd name="adj2" fmla="val 42130"/>
+            </a:avLst>
+          </a:prstGeom>
+          <a:solidFill>
+            <a:schemeClr val="bg1">
+              <a:lumMod val="95000"/>
+            </a:schemeClr>
+          </a:solidFill>
+          <a:ln w="3175"/>
+        </p:spPr>
+        <p:style>
+          <a:lnRef idx="1">
+            <a:schemeClr val="dk1"/>
+          </a:lnRef>
+          <a:fillRef idx="2">
+            <a:schemeClr val="dk1"/>
+          </a:fillRef>
+          <a:effectRef idx="1">
+            <a:schemeClr val="dk1"/>
+          </a:effectRef>
+          <a:fontRef idx="minor">
+            <a:schemeClr val="dk1"/>
+          </a:fontRef>
+        </p:style>
+        <p:txBody>
+          <a:bodyPr rtlCol="0" anchor="ctr"/>
+          <a:lstStyle/>
+          <a:p>
+            <a:pPr algn="ctr"/>
+            <a:r>
+              <a:rPr lang="pl-PL" sz="1050" dirty="0" err="1" smtClean="0">
+                <a:latin typeface="Courier New" panose="02070309020205020404" pitchFamily="49" charset="0"/>
+                <a:cs typeface="Courier New" panose="02070309020205020404" pitchFamily="49" charset="0"/>
+              </a:rPr>
+              <a:t>add</a:t>
+            </a:r>
+            <a:r>
+              <a:rPr lang="pl-PL" sz="1050" dirty="0" smtClean="0">
+                <a:latin typeface="Courier New" panose="02070309020205020404" pitchFamily="49" charset="0"/>
+                <a:cs typeface="Courier New" panose="02070309020205020404" pitchFamily="49" charset="0"/>
+              </a:rPr>
+              <a:t> file</a:t>
+            </a:r>
+            <a:endParaRPr lang="pl-PL" sz="1050" dirty="0">
+              <a:latin typeface="Courier New" panose="02070309020205020404" pitchFamily="49" charset="0"/>
+              <a:cs typeface="Courier New" panose="02070309020205020404" pitchFamily="49" charset="0"/>
+            </a:endParaRPr>
+          </a:p>
+        </p:txBody>
+      </p:sp>
+      <p:sp>
+        <p:nvSpPr>
+          <p:cNvPr id="17" name="Prążkowana strzałka w prawo 16"/>
+          <p:cNvSpPr/>
+          <p:nvPr/>
+        </p:nvSpPr>
+        <p:spPr>
+          <a:xfrm>
+            <a:off x="3325183" y="2928353"/>
+            <a:ext cx="1102596" cy="363463"/>
+          </a:xfrm>
+          <a:prstGeom prst="stripedRightArrow">
+            <a:avLst>
+              <a:gd name="adj1" fmla="val 50000"/>
+              <a:gd name="adj2" fmla="val 42130"/>
+            </a:avLst>
+          </a:prstGeom>
+          <a:solidFill>
+            <a:schemeClr val="bg1">
+              <a:lumMod val="95000"/>
+            </a:schemeClr>
+          </a:solidFill>
+          <a:ln w="3175"/>
+        </p:spPr>
+        <p:style>
+          <a:lnRef idx="1">
+            <a:schemeClr val="dk1"/>
+          </a:lnRef>
+          <a:fillRef idx="2">
+            <a:schemeClr val="dk1"/>
+          </a:fillRef>
+          <a:effectRef idx="1">
+            <a:schemeClr val="dk1"/>
+          </a:effectRef>
+          <a:fontRef idx="minor">
+            <a:schemeClr val="dk1"/>
+          </a:fontRef>
+        </p:style>
+        <p:txBody>
+          <a:bodyPr rtlCol="0" anchor="ctr"/>
+          <a:lstStyle/>
+          <a:p>
+            <a:pPr algn="ctr"/>
+            <a:r>
+              <a:rPr lang="pl-PL" sz="1050" dirty="0">
+                <a:latin typeface="Courier New" panose="02070309020205020404" pitchFamily="49" charset="0"/>
+                <a:cs typeface="Courier New" panose="02070309020205020404" pitchFamily="49" charset="0"/>
+              </a:rPr>
+              <a:t>stage</a:t>
+            </a:r>
+          </a:p>
+        </p:txBody>
+      </p:sp>
+      <p:sp>
+        <p:nvSpPr>
+          <p:cNvPr id="18" name="Prążkowana strzałka w prawo 17"/>
+          <p:cNvSpPr/>
+          <p:nvPr/>
+        </p:nvSpPr>
+        <p:spPr>
+          <a:xfrm flipH="1">
+            <a:off x="2271159" y="3288405"/>
+            <a:ext cx="2156620" cy="363463"/>
+          </a:xfrm>
+          <a:prstGeom prst="stripedRightArrow">
+            <a:avLst>
+              <a:gd name="adj1" fmla="val 50000"/>
+              <a:gd name="adj2" fmla="val 42130"/>
+            </a:avLst>
+          </a:prstGeom>
+          <a:solidFill>
+            <a:schemeClr val="bg1">
+              <a:lumMod val="95000"/>
+            </a:schemeClr>
+          </a:solidFill>
+          <a:ln w="3175"/>
+        </p:spPr>
+        <p:style>
+          <a:lnRef idx="1">
+            <a:schemeClr val="dk1"/>
+          </a:lnRef>
+          <a:fillRef idx="2">
+            <a:schemeClr val="dk1"/>
+          </a:fillRef>
+          <a:effectRef idx="1">
+            <a:schemeClr val="dk1"/>
+          </a:effectRef>
+          <a:fontRef idx="minor">
+            <a:schemeClr val="dk1"/>
+          </a:fontRef>
+        </p:style>
+        <p:txBody>
+          <a:bodyPr rtlCol="0" anchor="ctr"/>
+          <a:lstStyle/>
+          <a:p>
+            <a:pPr algn="ctr"/>
+            <a:r>
+              <a:rPr lang="pl-PL" sz="1050" dirty="0" err="1">
+                <a:latin typeface="Courier New" panose="02070309020205020404" pitchFamily="49" charset="0"/>
+                <a:cs typeface="Courier New" panose="02070309020205020404" pitchFamily="49" charset="0"/>
+              </a:rPr>
+              <a:t>commit</a:t>
+            </a:r>
+            <a:endParaRPr lang="pl-PL" sz="1050" dirty="0">
+              <a:latin typeface="Courier New" panose="02070309020205020404" pitchFamily="49" charset="0"/>
+              <a:cs typeface="Courier New" panose="02070309020205020404" pitchFamily="49" charset="0"/>
+            </a:endParaRPr>
+          </a:p>
+        </p:txBody>
+      </p:sp>
+      <p:sp>
+        <p:nvSpPr>
+          <p:cNvPr id="19" name="Prążkowana strzałka w prawo 18"/>
+          <p:cNvSpPr/>
+          <p:nvPr/>
+        </p:nvSpPr>
+        <p:spPr>
+          <a:xfrm>
+            <a:off x="2271160" y="2568301"/>
+            <a:ext cx="910022" cy="363463"/>
+          </a:xfrm>
+          <a:prstGeom prst="stripedRightArrow">
+            <a:avLst>
+              <a:gd name="adj1" fmla="val 50000"/>
+              <a:gd name="adj2" fmla="val 42130"/>
+            </a:avLst>
+          </a:prstGeom>
+          <a:solidFill>
+            <a:schemeClr val="bg1">
+              <a:lumMod val="95000"/>
+            </a:schemeClr>
+          </a:solidFill>
+          <a:ln w="3175"/>
+        </p:spPr>
+        <p:style>
+          <a:lnRef idx="1">
+            <a:schemeClr val="dk1"/>
+          </a:lnRef>
+          <a:fillRef idx="2">
+            <a:schemeClr val="dk1"/>
+          </a:fillRef>
+          <a:effectRef idx="1">
+            <a:schemeClr val="dk1"/>
+          </a:effectRef>
+          <a:fontRef idx="minor">
+            <a:schemeClr val="dk1"/>
+          </a:fontRef>
+        </p:style>
+        <p:txBody>
+          <a:bodyPr rtlCol="0" anchor="ctr"/>
+          <a:lstStyle/>
+          <a:p>
+            <a:pPr algn="ctr"/>
+            <a:r>
+              <a:rPr lang="pl-PL" sz="1050" dirty="0" err="1">
+                <a:latin typeface="Courier New" panose="02070309020205020404" pitchFamily="49" charset="0"/>
+                <a:cs typeface="Courier New" panose="02070309020205020404" pitchFamily="49" charset="0"/>
+              </a:rPr>
+              <a:t>modify</a:t>
+            </a:r>
+            <a:endParaRPr lang="pl-PL" sz="1050" dirty="0">
+              <a:latin typeface="Courier New" panose="02070309020205020404" pitchFamily="49" charset="0"/>
+              <a:cs typeface="Courier New" panose="02070309020205020404" pitchFamily="49" charset="0"/>
+            </a:endParaRPr>
+          </a:p>
+        </p:txBody>
+      </p:sp>
+      <p:sp>
+        <p:nvSpPr>
+          <p:cNvPr id="20" name="Prążkowana strzałka w prawo 19"/>
+          <p:cNvSpPr/>
+          <p:nvPr/>
+        </p:nvSpPr>
+        <p:spPr>
+          <a:xfrm>
+            <a:off x="2271159" y="2208249"/>
+            <a:ext cx="2156620" cy="363463"/>
+          </a:xfrm>
+          <a:prstGeom prst="stripedRightArrow">
+            <a:avLst>
+              <a:gd name="adj1" fmla="val 50000"/>
+              <a:gd name="adj2" fmla="val 42130"/>
+            </a:avLst>
+          </a:prstGeom>
+          <a:solidFill>
+            <a:schemeClr val="bg1">
+              <a:lumMod val="95000"/>
+            </a:schemeClr>
+          </a:solidFill>
+          <a:ln w="3175"/>
+        </p:spPr>
+        <p:style>
+          <a:lnRef idx="1">
+            <a:schemeClr val="dk1"/>
+          </a:lnRef>
+          <a:fillRef idx="2">
+            <a:schemeClr val="dk1"/>
+          </a:fillRef>
+          <a:effectRef idx="1">
+            <a:schemeClr val="dk1"/>
+          </a:effectRef>
+          <a:fontRef idx="minor">
+            <a:schemeClr val="dk1"/>
+          </a:fontRef>
+        </p:style>
+        <p:txBody>
+          <a:bodyPr rtlCol="0" anchor="ctr"/>
+          <a:lstStyle/>
+          <a:p>
+            <a:pPr algn="ctr"/>
+            <a:r>
+              <a:rPr lang="pl-PL" sz="1050" dirty="0" smtClean="0">
+                <a:latin typeface="Courier New" panose="02070309020205020404" pitchFamily="49" charset="0"/>
+                <a:cs typeface="Courier New" panose="02070309020205020404" pitchFamily="49" charset="0"/>
+              </a:rPr>
+              <a:t>stage </a:t>
+            </a:r>
+            <a:r>
+              <a:rPr lang="pl-PL" sz="1050" dirty="0" err="1" smtClean="0">
+                <a:latin typeface="Courier New" panose="02070309020205020404" pitchFamily="49" charset="0"/>
+                <a:cs typeface="Courier New" panose="02070309020205020404" pitchFamily="49" charset="0"/>
+              </a:rPr>
+              <a:t>new</a:t>
+            </a:r>
+            <a:r>
+              <a:rPr lang="pl-PL" sz="1050" dirty="0" smtClean="0">
+                <a:latin typeface="Courier New" panose="02070309020205020404" pitchFamily="49" charset="0"/>
+                <a:cs typeface="Courier New" panose="02070309020205020404" pitchFamily="49" charset="0"/>
+              </a:rPr>
+              <a:t> file</a:t>
+            </a:r>
+            <a:endParaRPr lang="pl-PL" sz="1050" dirty="0">
+              <a:latin typeface="Courier New" panose="02070309020205020404" pitchFamily="49" charset="0"/>
+              <a:cs typeface="Courier New" panose="02070309020205020404" pitchFamily="49" charset="0"/>
+            </a:endParaRPr>
+          </a:p>
+        </p:txBody>
+      </p:sp>
     </p:spTree>
     <p:extLst>
       <p:ext uri="{BB962C8B-B14F-4D97-AF65-F5344CB8AC3E}">
@@ -7873,57 +8864,834 @@
             </a:pPr>
             <a:r>
               <a:rPr lang="pl-PL" sz="1800" b="1" dirty="0" smtClean="0"/>
-              <a:t>Ogólna zasada pracy z Git-em</a:t>
+              <a:t>Relacje i działania w repozytorium</a:t>
             </a:r>
             <a:endParaRPr lang="en-US" sz="1800" b="1" dirty="0"/>
           </a:p>
         </p:txBody>
       </p:sp>
-      <p:pic>
-        <p:nvPicPr>
-          <p:cNvPr id="4098" name="Picture 2" descr="Git/Przypadki - Wikibooks, biblioteka wolnych podręczników"/>
-          <p:cNvPicPr>
-            <a:picLocks noChangeAspect="1" noChangeArrowheads="1"/>
-          </p:cNvPicPr>
+      <p:sp>
+        <p:nvSpPr>
+          <p:cNvPr id="6" name="Strzałka w prawo 5"/>
+          <p:cNvSpPr/>
           <p:nvPr/>
-        </p:nvPicPr>
-        <p:blipFill>
-          <a:blip r:embed="rId2">
-            <a:extLst>
-              <a:ext uri="{28A0092B-C50C-407E-A947-70E740481C1C}">
-                <a14:useLocalDpi xmlns:a14="http://schemas.microsoft.com/office/drawing/2010/main" val="0"/>
-              </a:ext>
-            </a:extLst>
-          </a:blip>
-          <a:srcRect/>
-          <a:stretch>
-            <a:fillRect/>
-          </a:stretch>
-        </p:blipFill>
-        <p:spPr bwMode="auto">
-          <a:xfrm>
-            <a:off x="5220072" y="1347614"/>
-            <a:ext cx="2095500" cy="2790825"/>
+        </p:nvSpPr>
+        <p:spPr>
+          <a:xfrm rot="5400000">
+            <a:off x="1139741" y="3205279"/>
+            <a:ext cx="2520000" cy="144000"/>
           </a:xfrm>
-          <a:prstGeom prst="rect">
+          <a:prstGeom prst="rightArrow">
             <a:avLst/>
           </a:prstGeom>
-          <a:noFill/>
-          <a:extLst>
-            <a:ext uri="{909E8E84-426E-40DD-AFC4-6F175D3DCCD1}">
-              <a14:hiddenFill xmlns:a14="http://schemas.microsoft.com/office/drawing/2010/main">
-                <a:solidFill>
-                  <a:srgbClr val="FFFFFF"/>
-                </a:solidFill>
-              </a14:hiddenFill>
-            </a:ext>
-          </a:extLst>
         </p:spPr>
-      </p:pic>
+        <p:style>
+          <a:lnRef idx="1">
+            <a:schemeClr val="accent6"/>
+          </a:lnRef>
+          <a:fillRef idx="2">
+            <a:schemeClr val="accent6"/>
+          </a:fillRef>
+          <a:effectRef idx="1">
+            <a:schemeClr val="accent6"/>
+          </a:effectRef>
+          <a:fontRef idx="minor">
+            <a:schemeClr val="dk1"/>
+          </a:fontRef>
+        </p:style>
+        <p:txBody>
+          <a:bodyPr rtlCol="0" anchor="ctr"/>
+          <a:lstStyle/>
+          <a:p>
+            <a:pPr algn="ctr"/>
+            <a:endParaRPr lang="pl-PL"/>
+          </a:p>
+        </p:txBody>
+      </p:sp>
+      <p:sp>
+        <p:nvSpPr>
+          <p:cNvPr id="7" name="Strzałka w prawo 6"/>
+          <p:cNvSpPr/>
+          <p:nvPr/>
+        </p:nvSpPr>
+        <p:spPr>
+          <a:xfrm rot="5400000">
+            <a:off x="-186361" y="3205279"/>
+            <a:ext cx="2520000" cy="144000"/>
+          </a:xfrm>
+          <a:prstGeom prst="rightArrow">
+            <a:avLst/>
+          </a:prstGeom>
+        </p:spPr>
+        <p:style>
+          <a:lnRef idx="1">
+            <a:schemeClr val="accent1"/>
+          </a:lnRef>
+          <a:fillRef idx="2">
+            <a:schemeClr val="accent1"/>
+          </a:fillRef>
+          <a:effectRef idx="1">
+            <a:schemeClr val="accent1"/>
+          </a:effectRef>
+          <a:fontRef idx="minor">
+            <a:schemeClr val="dk1"/>
+          </a:fontRef>
+        </p:style>
+        <p:txBody>
+          <a:bodyPr rtlCol="0" anchor="ctr"/>
+          <a:lstStyle/>
+          <a:p>
+            <a:pPr algn="ctr"/>
+            <a:endParaRPr lang="pl-PL"/>
+          </a:p>
+        </p:txBody>
+      </p:sp>
+      <p:sp>
+        <p:nvSpPr>
+          <p:cNvPr id="8" name="Strzałka w prawo 7"/>
+          <p:cNvSpPr/>
+          <p:nvPr/>
+        </p:nvSpPr>
+        <p:spPr>
+          <a:xfrm rot="5400000">
+            <a:off x="2459922" y="3147662"/>
+            <a:ext cx="2520000" cy="144000"/>
+          </a:xfrm>
+          <a:prstGeom prst="rightArrow">
+            <a:avLst/>
+          </a:prstGeom>
+        </p:spPr>
+        <p:style>
+          <a:lnRef idx="1">
+            <a:schemeClr val="accent3"/>
+          </a:lnRef>
+          <a:fillRef idx="2">
+            <a:schemeClr val="accent3"/>
+          </a:fillRef>
+          <a:effectRef idx="1">
+            <a:schemeClr val="accent3"/>
+          </a:effectRef>
+          <a:fontRef idx="minor">
+            <a:schemeClr val="dk1"/>
+          </a:fontRef>
+        </p:style>
+        <p:txBody>
+          <a:bodyPr rtlCol="0" anchor="ctr"/>
+          <a:lstStyle/>
+          <a:p>
+            <a:pPr algn="ctr"/>
+            <a:endParaRPr lang="pl-PL"/>
+          </a:p>
+        </p:txBody>
+      </p:sp>
+      <p:sp>
+        <p:nvSpPr>
+          <p:cNvPr id="9" name="Strzałka w prawo 8"/>
+          <p:cNvSpPr/>
+          <p:nvPr/>
+        </p:nvSpPr>
+        <p:spPr>
+          <a:xfrm rot="5400000">
+            <a:off x="3780104" y="3147662"/>
+            <a:ext cx="2520000" cy="144000"/>
+          </a:xfrm>
+          <a:prstGeom prst="rightArrow">
+            <a:avLst/>
+          </a:prstGeom>
+        </p:spPr>
+        <p:style>
+          <a:lnRef idx="1">
+            <a:schemeClr val="accent2"/>
+          </a:lnRef>
+          <a:fillRef idx="2">
+            <a:schemeClr val="accent2"/>
+          </a:fillRef>
+          <a:effectRef idx="1">
+            <a:schemeClr val="accent2"/>
+          </a:effectRef>
+          <a:fontRef idx="minor">
+            <a:schemeClr val="dk1"/>
+          </a:fontRef>
+        </p:style>
+        <p:txBody>
+          <a:bodyPr rtlCol="0" anchor="ctr"/>
+          <a:lstStyle/>
+          <a:p>
+            <a:pPr algn="ctr"/>
+            <a:endParaRPr lang="pl-PL"/>
+          </a:p>
+        </p:txBody>
+      </p:sp>
+      <p:sp>
+        <p:nvSpPr>
+          <p:cNvPr id="10" name="Prostokąt zaokrąglony 9"/>
+          <p:cNvSpPr/>
+          <p:nvPr/>
+        </p:nvSpPr>
+        <p:spPr>
+          <a:xfrm>
+            <a:off x="611560" y="1779662"/>
+            <a:ext cx="936000" cy="360000"/>
+          </a:xfrm>
+          <a:prstGeom prst="roundRect">
+            <a:avLst/>
+          </a:prstGeom>
+        </p:spPr>
+        <p:style>
+          <a:lnRef idx="1">
+            <a:schemeClr val="accent1"/>
+          </a:lnRef>
+          <a:fillRef idx="2">
+            <a:schemeClr val="accent1"/>
+          </a:fillRef>
+          <a:effectRef idx="1">
+            <a:schemeClr val="accent1"/>
+          </a:effectRef>
+          <a:fontRef idx="minor">
+            <a:schemeClr val="dk1"/>
+          </a:fontRef>
+        </p:style>
+        <p:txBody>
+          <a:bodyPr rtlCol="0" anchor="ctr"/>
+          <a:lstStyle/>
+          <a:p>
+            <a:pPr algn="ctr"/>
+            <a:r>
+              <a:rPr lang="pl-PL" sz="1050" dirty="0" err="1" smtClean="0"/>
+              <a:t>working</a:t>
+            </a:r>
+            <a:r>
+              <a:rPr lang="pl-PL" sz="1050" dirty="0" smtClean="0"/>
+              <a:t> </a:t>
+            </a:r>
+            <a:r>
+              <a:rPr lang="pl-PL" sz="1050" dirty="0" err="1" smtClean="0"/>
+              <a:t>directory</a:t>
+            </a:r>
+            <a:endParaRPr lang="pl-PL" sz="1050" dirty="0"/>
+          </a:p>
+        </p:txBody>
+      </p:sp>
+      <p:sp>
+        <p:nvSpPr>
+          <p:cNvPr id="11" name="Prostokąt zaokrąglony 10"/>
+          <p:cNvSpPr/>
+          <p:nvPr/>
+        </p:nvSpPr>
+        <p:spPr>
+          <a:xfrm>
+            <a:off x="1931741" y="1779662"/>
+            <a:ext cx="936000" cy="360000"/>
+          </a:xfrm>
+          <a:prstGeom prst="roundRect">
+            <a:avLst/>
+          </a:prstGeom>
+        </p:spPr>
+        <p:style>
+          <a:lnRef idx="1">
+            <a:schemeClr val="accent6"/>
+          </a:lnRef>
+          <a:fillRef idx="2">
+            <a:schemeClr val="accent6"/>
+          </a:fillRef>
+          <a:effectRef idx="1">
+            <a:schemeClr val="accent6"/>
+          </a:effectRef>
+          <a:fontRef idx="minor">
+            <a:schemeClr val="dk1"/>
+          </a:fontRef>
+        </p:style>
+        <p:txBody>
+          <a:bodyPr rtlCol="0" anchor="ctr"/>
+          <a:lstStyle/>
+          <a:p>
+            <a:pPr algn="ctr"/>
+            <a:r>
+              <a:rPr lang="pl-PL" sz="1050" dirty="0" err="1" smtClean="0"/>
+              <a:t>staging</a:t>
+            </a:r>
+            <a:r>
+              <a:rPr lang="pl-PL" sz="1050" dirty="0" smtClean="0"/>
+              <a:t> </a:t>
+            </a:r>
+            <a:r>
+              <a:rPr lang="pl-PL" sz="1050" dirty="0" err="1" smtClean="0"/>
+              <a:t>area</a:t>
+            </a:r>
+            <a:endParaRPr lang="pl-PL" sz="1050" dirty="0"/>
+          </a:p>
+        </p:txBody>
+      </p:sp>
+      <p:sp>
+        <p:nvSpPr>
+          <p:cNvPr id="12" name="Prostokąt zaokrąglony 11"/>
+          <p:cNvSpPr/>
+          <p:nvPr/>
+        </p:nvSpPr>
+        <p:spPr>
+          <a:xfrm>
+            <a:off x="3251922" y="1779662"/>
+            <a:ext cx="936000" cy="360000"/>
+          </a:xfrm>
+          <a:prstGeom prst="roundRect">
+            <a:avLst/>
+          </a:prstGeom>
+        </p:spPr>
+        <p:style>
+          <a:lnRef idx="1">
+            <a:schemeClr val="accent3"/>
+          </a:lnRef>
+          <a:fillRef idx="2">
+            <a:schemeClr val="accent3"/>
+          </a:fillRef>
+          <a:effectRef idx="1">
+            <a:schemeClr val="accent3"/>
+          </a:effectRef>
+          <a:fontRef idx="minor">
+            <a:schemeClr val="dk1"/>
+          </a:fontRef>
+        </p:style>
+        <p:txBody>
+          <a:bodyPr rtlCol="0" anchor="ctr"/>
+          <a:lstStyle/>
+          <a:p>
+            <a:pPr algn="ctr"/>
+            <a:r>
+              <a:rPr lang="pl-PL" sz="1050" dirty="0" err="1" smtClean="0"/>
+              <a:t>local</a:t>
+            </a:r>
+            <a:r>
+              <a:rPr lang="pl-PL" sz="1050" dirty="0" smtClean="0"/>
+              <a:t> </a:t>
+            </a:r>
+            <a:r>
+              <a:rPr lang="pl-PL" sz="1050" dirty="0" err="1" smtClean="0"/>
+              <a:t>repository</a:t>
+            </a:r>
+            <a:endParaRPr lang="pl-PL" sz="1050" dirty="0"/>
+          </a:p>
+        </p:txBody>
+      </p:sp>
+      <p:sp>
+        <p:nvSpPr>
+          <p:cNvPr id="13" name="Prostokąt zaokrąglony 12"/>
+          <p:cNvSpPr/>
+          <p:nvPr/>
+        </p:nvSpPr>
+        <p:spPr>
+          <a:xfrm>
+            <a:off x="4572104" y="1779662"/>
+            <a:ext cx="936000" cy="360000"/>
+          </a:xfrm>
+          <a:prstGeom prst="roundRect">
+            <a:avLst/>
+          </a:prstGeom>
+        </p:spPr>
+        <p:style>
+          <a:lnRef idx="1">
+            <a:schemeClr val="accent2"/>
+          </a:lnRef>
+          <a:fillRef idx="2">
+            <a:schemeClr val="accent2"/>
+          </a:fillRef>
+          <a:effectRef idx="1">
+            <a:schemeClr val="accent2"/>
+          </a:effectRef>
+          <a:fontRef idx="minor">
+            <a:schemeClr val="dk1"/>
+          </a:fontRef>
+        </p:style>
+        <p:txBody>
+          <a:bodyPr rtlCol="0" anchor="ctr"/>
+          <a:lstStyle/>
+          <a:p>
+            <a:pPr algn="ctr"/>
+            <a:r>
+              <a:rPr lang="pl-PL" sz="1050" dirty="0" err="1"/>
+              <a:t>r</a:t>
+            </a:r>
+            <a:r>
+              <a:rPr lang="pl-PL" sz="1050" dirty="0" err="1" smtClean="0"/>
+              <a:t>emote</a:t>
+            </a:r>
+            <a:r>
+              <a:rPr lang="pl-PL" sz="1050" dirty="0" smtClean="0"/>
+              <a:t> </a:t>
+            </a:r>
+            <a:r>
+              <a:rPr lang="pl-PL" sz="1050" dirty="0" err="1" smtClean="0"/>
+              <a:t>repository</a:t>
+            </a:r>
+            <a:endParaRPr lang="pl-PL" sz="1050" dirty="0"/>
+          </a:p>
+        </p:txBody>
+      </p:sp>
+      <p:sp>
+        <p:nvSpPr>
+          <p:cNvPr id="14" name="Prążkowana strzałka w prawo 13"/>
+          <p:cNvSpPr/>
+          <p:nvPr/>
+        </p:nvSpPr>
+        <p:spPr>
+          <a:xfrm>
+            <a:off x="1145637" y="2511743"/>
+            <a:ext cx="1182104" cy="363463"/>
+          </a:xfrm>
+          <a:prstGeom prst="stripedRightArrow">
+            <a:avLst>
+              <a:gd name="adj1" fmla="val 50000"/>
+              <a:gd name="adj2" fmla="val 42130"/>
+            </a:avLst>
+          </a:prstGeom>
+          <a:solidFill>
+            <a:schemeClr val="bg1">
+              <a:lumMod val="95000"/>
+            </a:schemeClr>
+          </a:solidFill>
+          <a:ln w="3175"/>
+        </p:spPr>
+        <p:style>
+          <a:lnRef idx="1">
+            <a:schemeClr val="dk1"/>
+          </a:lnRef>
+          <a:fillRef idx="2">
+            <a:schemeClr val="dk1"/>
+          </a:fillRef>
+          <a:effectRef idx="1">
+            <a:schemeClr val="dk1"/>
+          </a:effectRef>
+          <a:fontRef idx="minor">
+            <a:schemeClr val="dk1"/>
+          </a:fontRef>
+        </p:style>
+        <p:txBody>
+          <a:bodyPr rtlCol="0" anchor="ctr"/>
+          <a:lstStyle/>
+          <a:p>
+            <a:pPr algn="ctr"/>
+            <a:r>
+              <a:rPr lang="pl-PL" sz="1050" dirty="0" smtClean="0">
+                <a:latin typeface="Courier New" panose="02070309020205020404" pitchFamily="49" charset="0"/>
+                <a:cs typeface="Courier New" panose="02070309020205020404" pitchFamily="49" charset="0"/>
+              </a:rPr>
+              <a:t>git </a:t>
+            </a:r>
+            <a:r>
+              <a:rPr lang="pl-PL" sz="1050" dirty="0" err="1" smtClean="0">
+                <a:latin typeface="Courier New" panose="02070309020205020404" pitchFamily="49" charset="0"/>
+                <a:cs typeface="Courier New" panose="02070309020205020404" pitchFamily="49" charset="0"/>
+              </a:rPr>
+              <a:t>add</a:t>
+            </a:r>
+            <a:endParaRPr lang="pl-PL" sz="1050" dirty="0">
+              <a:latin typeface="Courier New" panose="02070309020205020404" pitchFamily="49" charset="0"/>
+              <a:cs typeface="Courier New" panose="02070309020205020404" pitchFamily="49" charset="0"/>
+            </a:endParaRPr>
+          </a:p>
+        </p:txBody>
+      </p:sp>
+      <p:sp>
+        <p:nvSpPr>
+          <p:cNvPr id="15" name="Prążkowana strzałka w prawo 14"/>
+          <p:cNvSpPr/>
+          <p:nvPr/>
+        </p:nvSpPr>
+        <p:spPr>
+          <a:xfrm flipH="1">
+            <a:off x="3791921" y="2211710"/>
+            <a:ext cx="1176181" cy="363463"/>
+          </a:xfrm>
+          <a:prstGeom prst="stripedRightArrow">
+            <a:avLst>
+              <a:gd name="adj1" fmla="val 50000"/>
+              <a:gd name="adj2" fmla="val 42130"/>
+            </a:avLst>
+          </a:prstGeom>
+          <a:solidFill>
+            <a:schemeClr val="bg1">
+              <a:lumMod val="95000"/>
+            </a:schemeClr>
+          </a:solidFill>
+          <a:ln w="3175"/>
+        </p:spPr>
+        <p:style>
+          <a:lnRef idx="1">
+            <a:schemeClr val="dk1"/>
+          </a:lnRef>
+          <a:fillRef idx="2">
+            <a:schemeClr val="dk1"/>
+          </a:fillRef>
+          <a:effectRef idx="1">
+            <a:schemeClr val="dk1"/>
+          </a:effectRef>
+          <a:fontRef idx="minor">
+            <a:schemeClr val="dk1"/>
+          </a:fontRef>
+        </p:style>
+        <p:txBody>
+          <a:bodyPr rtlCol="0" anchor="ctr"/>
+          <a:lstStyle/>
+          <a:p>
+            <a:pPr algn="ctr"/>
+            <a:r>
+              <a:rPr lang="pl-PL" sz="1050" dirty="0" smtClean="0">
+                <a:latin typeface="Courier New" panose="02070309020205020404" pitchFamily="49" charset="0"/>
+                <a:cs typeface="Courier New" panose="02070309020205020404" pitchFamily="49" charset="0"/>
+              </a:rPr>
+              <a:t>git </a:t>
+            </a:r>
+            <a:r>
+              <a:rPr lang="pl-PL" sz="1050" dirty="0" err="1" smtClean="0">
+                <a:latin typeface="Courier New" panose="02070309020205020404" pitchFamily="49" charset="0"/>
+                <a:cs typeface="Courier New" panose="02070309020205020404" pitchFamily="49" charset="0"/>
+              </a:rPr>
+              <a:t>pull</a:t>
+            </a:r>
+            <a:endParaRPr lang="pl-PL" sz="1050" dirty="0">
+              <a:latin typeface="Courier New" panose="02070309020205020404" pitchFamily="49" charset="0"/>
+              <a:cs typeface="Courier New" panose="02070309020205020404" pitchFamily="49" charset="0"/>
+            </a:endParaRPr>
+          </a:p>
+        </p:txBody>
+      </p:sp>
+      <p:sp>
+        <p:nvSpPr>
+          <p:cNvPr id="16" name="Prążkowana strzałka w prawo 15"/>
+          <p:cNvSpPr/>
+          <p:nvPr/>
+        </p:nvSpPr>
+        <p:spPr>
+          <a:xfrm flipH="1">
+            <a:off x="1154499" y="3411842"/>
+            <a:ext cx="2493423" cy="363463"/>
+          </a:xfrm>
+          <a:prstGeom prst="stripedRightArrow">
+            <a:avLst>
+              <a:gd name="adj1" fmla="val 50000"/>
+              <a:gd name="adj2" fmla="val 42130"/>
+            </a:avLst>
+          </a:prstGeom>
+          <a:solidFill>
+            <a:schemeClr val="bg1">
+              <a:lumMod val="95000"/>
+            </a:schemeClr>
+          </a:solidFill>
+          <a:ln w="3175"/>
+        </p:spPr>
+        <p:style>
+          <a:lnRef idx="1">
+            <a:schemeClr val="dk1"/>
+          </a:lnRef>
+          <a:fillRef idx="2">
+            <a:schemeClr val="dk1"/>
+          </a:fillRef>
+          <a:effectRef idx="1">
+            <a:schemeClr val="dk1"/>
+          </a:effectRef>
+          <a:fontRef idx="minor">
+            <a:schemeClr val="dk1"/>
+          </a:fontRef>
+        </p:style>
+        <p:txBody>
+          <a:bodyPr rtlCol="0" anchor="ctr"/>
+          <a:lstStyle/>
+          <a:p>
+            <a:pPr algn="ctr"/>
+            <a:r>
+              <a:rPr lang="pl-PL" sz="1050" dirty="0" smtClean="0">
+                <a:latin typeface="Courier New" panose="02070309020205020404" pitchFamily="49" charset="0"/>
+                <a:cs typeface="Courier New" panose="02070309020205020404" pitchFamily="49" charset="0"/>
+              </a:rPr>
+              <a:t>git </a:t>
+            </a:r>
+            <a:r>
+              <a:rPr lang="pl-PL" sz="1050" dirty="0" err="1" smtClean="0">
+                <a:latin typeface="Courier New" panose="02070309020205020404" pitchFamily="49" charset="0"/>
+                <a:cs typeface="Courier New" panose="02070309020205020404" pitchFamily="49" charset="0"/>
+              </a:rPr>
+              <a:t>marge</a:t>
+            </a:r>
+            <a:endParaRPr lang="pl-PL" sz="1050" dirty="0">
+              <a:latin typeface="Courier New" panose="02070309020205020404" pitchFamily="49" charset="0"/>
+              <a:cs typeface="Courier New" panose="02070309020205020404" pitchFamily="49" charset="0"/>
+            </a:endParaRPr>
+          </a:p>
+        </p:txBody>
+      </p:sp>
+      <p:sp>
+        <p:nvSpPr>
+          <p:cNvPr id="17" name="Prążkowana strzałka w prawo 16"/>
+          <p:cNvSpPr/>
+          <p:nvPr/>
+        </p:nvSpPr>
+        <p:spPr>
+          <a:xfrm>
+            <a:off x="3835464" y="3720455"/>
+            <a:ext cx="1176180" cy="363463"/>
+          </a:xfrm>
+          <a:prstGeom prst="stripedRightArrow">
+            <a:avLst>
+              <a:gd name="adj1" fmla="val 50000"/>
+              <a:gd name="adj2" fmla="val 42130"/>
+            </a:avLst>
+          </a:prstGeom>
+          <a:solidFill>
+            <a:schemeClr val="bg1">
+              <a:lumMod val="95000"/>
+            </a:schemeClr>
+          </a:solidFill>
+          <a:ln w="3175"/>
+        </p:spPr>
+        <p:style>
+          <a:lnRef idx="1">
+            <a:schemeClr val="dk1"/>
+          </a:lnRef>
+          <a:fillRef idx="2">
+            <a:schemeClr val="dk1"/>
+          </a:fillRef>
+          <a:effectRef idx="1">
+            <a:schemeClr val="dk1"/>
+          </a:effectRef>
+          <a:fontRef idx="minor">
+            <a:schemeClr val="dk1"/>
+          </a:fontRef>
+        </p:style>
+        <p:txBody>
+          <a:bodyPr rtlCol="0" anchor="ctr"/>
+          <a:lstStyle/>
+          <a:p>
+            <a:pPr algn="ctr"/>
+            <a:r>
+              <a:rPr lang="pl-PL" sz="1050" dirty="0" smtClean="0">
+                <a:latin typeface="Courier New" panose="02070309020205020404" pitchFamily="49" charset="0"/>
+                <a:cs typeface="Courier New" panose="02070309020205020404" pitchFamily="49" charset="0"/>
+              </a:rPr>
+              <a:t>git </a:t>
+            </a:r>
+            <a:r>
+              <a:rPr lang="pl-PL" sz="1050" dirty="0" err="1" smtClean="0">
+                <a:latin typeface="Courier New" panose="02070309020205020404" pitchFamily="49" charset="0"/>
+                <a:cs typeface="Courier New" panose="02070309020205020404" pitchFamily="49" charset="0"/>
+              </a:rPr>
+              <a:t>push</a:t>
+            </a:r>
+            <a:endParaRPr lang="pl-PL" sz="1050" dirty="0">
+              <a:latin typeface="Courier New" panose="02070309020205020404" pitchFamily="49" charset="0"/>
+              <a:cs typeface="Courier New" panose="02070309020205020404" pitchFamily="49" charset="0"/>
+            </a:endParaRPr>
+          </a:p>
+        </p:txBody>
+      </p:sp>
+      <p:sp>
+        <p:nvSpPr>
+          <p:cNvPr id="18" name="Prążkowana strzałka w prawo 17"/>
+          <p:cNvSpPr/>
+          <p:nvPr/>
+        </p:nvSpPr>
+        <p:spPr>
+          <a:xfrm>
+            <a:off x="2471741" y="2811776"/>
+            <a:ext cx="1176181" cy="363463"/>
+          </a:xfrm>
+          <a:prstGeom prst="stripedRightArrow">
+            <a:avLst>
+              <a:gd name="adj1" fmla="val 50000"/>
+              <a:gd name="adj2" fmla="val 42130"/>
+            </a:avLst>
+          </a:prstGeom>
+          <a:solidFill>
+            <a:schemeClr val="bg1">
+              <a:lumMod val="95000"/>
+            </a:schemeClr>
+          </a:solidFill>
+          <a:ln w="3175"/>
+        </p:spPr>
+        <p:style>
+          <a:lnRef idx="1">
+            <a:schemeClr val="dk1"/>
+          </a:lnRef>
+          <a:fillRef idx="2">
+            <a:schemeClr val="dk1"/>
+          </a:fillRef>
+          <a:effectRef idx="1">
+            <a:schemeClr val="dk1"/>
+          </a:effectRef>
+          <a:fontRef idx="minor">
+            <a:schemeClr val="dk1"/>
+          </a:fontRef>
+        </p:style>
+        <p:txBody>
+          <a:bodyPr rtlCol="0" anchor="ctr"/>
+          <a:lstStyle/>
+          <a:p>
+            <a:pPr algn="ctr"/>
+            <a:r>
+              <a:rPr lang="pl-PL" sz="1050" dirty="0" smtClean="0">
+                <a:latin typeface="Courier New" panose="02070309020205020404" pitchFamily="49" charset="0"/>
+                <a:cs typeface="Courier New" panose="02070309020205020404" pitchFamily="49" charset="0"/>
+              </a:rPr>
+              <a:t>git </a:t>
+            </a:r>
+            <a:r>
+              <a:rPr lang="pl-PL" sz="1050" dirty="0" err="1" smtClean="0">
+                <a:latin typeface="Courier New" panose="02070309020205020404" pitchFamily="49" charset="0"/>
+                <a:cs typeface="Courier New" panose="02070309020205020404" pitchFamily="49" charset="0"/>
+              </a:rPr>
+              <a:t>commit</a:t>
+            </a:r>
+            <a:endParaRPr lang="pl-PL" sz="1050" dirty="0">
+              <a:latin typeface="Courier New" panose="02070309020205020404" pitchFamily="49" charset="0"/>
+              <a:cs typeface="Courier New" panose="02070309020205020404" pitchFamily="49" charset="0"/>
+            </a:endParaRPr>
+          </a:p>
+        </p:txBody>
+      </p:sp>
+      <p:sp>
+        <p:nvSpPr>
+          <p:cNvPr id="19" name="Prążkowana strzałka w prawo 18"/>
+          <p:cNvSpPr/>
+          <p:nvPr/>
+        </p:nvSpPr>
+        <p:spPr>
+          <a:xfrm flipH="1">
+            <a:off x="3791925" y="4083918"/>
+            <a:ext cx="1176179" cy="363463"/>
+          </a:xfrm>
+          <a:prstGeom prst="stripedRightArrow">
+            <a:avLst>
+              <a:gd name="adj1" fmla="val 50000"/>
+              <a:gd name="adj2" fmla="val 42130"/>
+            </a:avLst>
+          </a:prstGeom>
+          <a:solidFill>
+            <a:schemeClr val="bg1">
+              <a:lumMod val="95000"/>
+            </a:schemeClr>
+          </a:solidFill>
+          <a:ln w="3175"/>
+        </p:spPr>
+        <p:style>
+          <a:lnRef idx="1">
+            <a:schemeClr val="dk1"/>
+          </a:lnRef>
+          <a:fillRef idx="2">
+            <a:schemeClr val="dk1"/>
+          </a:fillRef>
+          <a:effectRef idx="1">
+            <a:schemeClr val="dk1"/>
+          </a:effectRef>
+          <a:fontRef idx="minor">
+            <a:schemeClr val="dk1"/>
+          </a:fontRef>
+        </p:style>
+        <p:txBody>
+          <a:bodyPr rtlCol="0" anchor="ctr"/>
+          <a:lstStyle/>
+          <a:p>
+            <a:pPr algn="ctr"/>
+            <a:r>
+              <a:rPr lang="pl-PL" sz="1050" dirty="0">
+                <a:latin typeface="Courier New" panose="02070309020205020404" pitchFamily="49" charset="0"/>
+                <a:cs typeface="Courier New" panose="02070309020205020404" pitchFamily="49" charset="0"/>
+              </a:rPr>
+              <a:t>g</a:t>
+            </a:r>
+            <a:r>
+              <a:rPr lang="pl-PL" sz="1050" dirty="0" smtClean="0">
+                <a:latin typeface="Courier New" panose="02070309020205020404" pitchFamily="49" charset="0"/>
+                <a:cs typeface="Courier New" panose="02070309020205020404" pitchFamily="49" charset="0"/>
+              </a:rPr>
+              <a:t>it </a:t>
+            </a:r>
+            <a:r>
+              <a:rPr lang="pl-PL" sz="1050" dirty="0" err="1" smtClean="0">
+                <a:latin typeface="Courier New" panose="02070309020205020404" pitchFamily="49" charset="0"/>
+                <a:cs typeface="Courier New" panose="02070309020205020404" pitchFamily="49" charset="0"/>
+              </a:rPr>
+              <a:t>fetch</a:t>
+            </a:r>
+            <a:endParaRPr lang="pl-PL" sz="1050" dirty="0">
+              <a:latin typeface="Courier New" panose="02070309020205020404" pitchFamily="49" charset="0"/>
+              <a:cs typeface="Courier New" panose="02070309020205020404" pitchFamily="49" charset="0"/>
+            </a:endParaRPr>
+          </a:p>
+        </p:txBody>
+      </p:sp>
+      <p:sp>
+        <p:nvSpPr>
+          <p:cNvPr id="21" name="Prążkowana strzałka w prawo 20"/>
+          <p:cNvSpPr/>
+          <p:nvPr/>
+        </p:nvSpPr>
+        <p:spPr>
+          <a:xfrm flipH="1">
+            <a:off x="1145637" y="3111809"/>
+            <a:ext cx="2493422" cy="363463"/>
+          </a:xfrm>
+          <a:prstGeom prst="stripedRightArrow">
+            <a:avLst>
+              <a:gd name="adj1" fmla="val 50000"/>
+              <a:gd name="adj2" fmla="val 42130"/>
+            </a:avLst>
+          </a:prstGeom>
+          <a:solidFill>
+            <a:schemeClr val="bg1">
+              <a:lumMod val="95000"/>
+            </a:schemeClr>
+          </a:solidFill>
+          <a:ln w="3175"/>
+        </p:spPr>
+        <p:style>
+          <a:lnRef idx="1">
+            <a:schemeClr val="dk1"/>
+          </a:lnRef>
+          <a:fillRef idx="2">
+            <a:schemeClr val="dk1"/>
+          </a:fillRef>
+          <a:effectRef idx="1">
+            <a:schemeClr val="dk1"/>
+          </a:effectRef>
+          <a:fontRef idx="minor">
+            <a:schemeClr val="dk1"/>
+          </a:fontRef>
+        </p:style>
+        <p:txBody>
+          <a:bodyPr rtlCol="0" anchor="ctr"/>
+          <a:lstStyle/>
+          <a:p>
+            <a:pPr algn="ctr"/>
+            <a:r>
+              <a:rPr lang="pl-PL" sz="1050" dirty="0">
+                <a:latin typeface="Courier New" panose="02070309020205020404" pitchFamily="49" charset="0"/>
+                <a:cs typeface="Courier New" panose="02070309020205020404" pitchFamily="49" charset="0"/>
+              </a:rPr>
+              <a:t>g</a:t>
+            </a:r>
+            <a:r>
+              <a:rPr lang="pl-PL" sz="1050" dirty="0" smtClean="0">
+                <a:latin typeface="Courier New" panose="02070309020205020404" pitchFamily="49" charset="0"/>
+                <a:cs typeface="Courier New" panose="02070309020205020404" pitchFamily="49" charset="0"/>
+              </a:rPr>
+              <a:t>it </a:t>
+            </a:r>
+            <a:r>
+              <a:rPr lang="pl-PL" sz="1050" dirty="0" err="1" smtClean="0">
+                <a:latin typeface="Courier New" panose="02070309020205020404" pitchFamily="49" charset="0"/>
+                <a:cs typeface="Courier New" panose="02070309020205020404" pitchFamily="49" charset="0"/>
+              </a:rPr>
+              <a:t>checkout</a:t>
+            </a:r>
+            <a:endParaRPr lang="pl-PL" sz="1050" dirty="0">
+              <a:latin typeface="Courier New" panose="02070309020205020404" pitchFamily="49" charset="0"/>
+              <a:cs typeface="Courier New" panose="02070309020205020404" pitchFamily="49" charset="0"/>
+            </a:endParaRPr>
+          </a:p>
+        </p:txBody>
+      </p:sp>
     </p:spTree>
     <p:extLst>
       <p:ext uri="{BB962C8B-B14F-4D97-AF65-F5344CB8AC3E}">
-        <p14:creationId xmlns:p14="http://schemas.microsoft.com/office/powerpoint/2010/main" val="2083234174"/>
+        <p14:creationId xmlns:p14="http://schemas.microsoft.com/office/powerpoint/2010/main" val="393661945"/>
       </p:ext>
     </p:extLst>
   </p:cSld>
@@ -7967,13 +9735,20 @@
           </a:bodyPr>
           <a:lstStyle/>
           <a:p>
-            <a:endParaRPr lang="en-US" sz="1200" dirty="0"/>
+            <a:pPr marL="0" indent="0">
+              <a:buNone/>
+            </a:pPr>
+            <a:r>
+              <a:rPr lang="pl-PL" sz="1800" b="1" dirty="0" smtClean="0"/>
+              <a:t>Interfejs Użytkownika</a:t>
+            </a:r>
+            <a:endParaRPr lang="en-US" sz="1800" b="1" dirty="0"/>
           </a:p>
         </p:txBody>
       </p:sp>
       <p:pic>
         <p:nvPicPr>
-          <p:cNvPr id="5122" name="Picture 2" descr="Dobre praktyki w Git'cie, czyli zbiór zasad w pracy zespołowej, przydatnych  “tricków”, najczęściej wykorzystywanych komend | OSWorld.pl"/>
+          <p:cNvPr id="1028" name="Picture 4" descr="Inconsistent &quot;GitExt Browse&quot; icon · Issue #5117 ·  gitextensions/gitextensions · GitHub"/>
           <p:cNvPicPr>
             <a:picLocks noChangeAspect="1" noChangeArrowheads="1"/>
           </p:cNvPicPr>
@@ -7994,8 +9769,131 @@
         </p:blipFill>
         <p:spPr bwMode="auto">
           <a:xfrm>
-            <a:off x="2915816" y="1779662"/>
-            <a:ext cx="4875150" cy="2393478"/>
+            <a:off x="5580112" y="3189585"/>
+            <a:ext cx="2931186" cy="936104"/>
+          </a:xfrm>
+          <a:prstGeom prst="rect">
+            <a:avLst/>
+          </a:prstGeom>
+          <a:noFill/>
+          <a:extLst>
+            <a:ext uri="{909E8E84-426E-40DD-AFC4-6F175D3DCCD1}">
+              <a14:hiddenFill xmlns:a14="http://schemas.microsoft.com/office/drawing/2010/main">
+                <a:solidFill>
+                  <a:srgbClr val="FFFFFF"/>
+                </a:solidFill>
+              </a14:hiddenFill>
+            </a:ext>
+          </a:extLst>
+        </p:spPr>
+      </p:pic>
+      <p:pic>
+        <p:nvPicPr>
+          <p:cNvPr id="1030" name="Picture 6" descr="What is Git Bash and How to Install it on Windows? - Appuals.com"/>
+          <p:cNvPicPr>
+            <a:picLocks noChangeAspect="1" noChangeArrowheads="1"/>
+          </p:cNvPicPr>
+          <p:nvPr/>
+        </p:nvPicPr>
+        <p:blipFill>
+          <a:blip r:embed="rId3" cstate="print">
+            <a:extLst>
+              <a:ext uri="{28A0092B-C50C-407E-A947-70E740481C1C}">
+                <a14:useLocalDpi xmlns:a14="http://schemas.microsoft.com/office/drawing/2010/main" val="0"/>
+              </a:ext>
+            </a:extLst>
+          </a:blip>
+          <a:srcRect/>
+          <a:stretch>
+            <a:fillRect/>
+          </a:stretch>
+        </p:blipFill>
+        <p:spPr bwMode="auto">
+          <a:xfrm>
+            <a:off x="3131840" y="1635646"/>
+            <a:ext cx="2286451" cy="1217166"/>
+          </a:xfrm>
+          <a:prstGeom prst="rect">
+            <a:avLst/>
+          </a:prstGeom>
+          <a:noFill/>
+          <a:extLst>
+            <a:ext uri="{909E8E84-426E-40DD-AFC4-6F175D3DCCD1}">
+              <a14:hiddenFill xmlns:a14="http://schemas.microsoft.com/office/drawing/2010/main">
+                <a:solidFill>
+                  <a:srgbClr val="FFFFFF"/>
+                </a:solidFill>
+              </a14:hiddenFill>
+            </a:ext>
+          </a:extLst>
+        </p:spPr>
+      </p:pic>
+      <p:pic>
+        <p:nvPicPr>
+          <p:cNvPr id="1032" name="Picture 8" descr="Outils de Développement Logiciel: TortoiseGit et Tuto Git ce que manquait  pour bien démarrer"/>
+          <p:cNvPicPr>
+            <a:picLocks noChangeAspect="1" noChangeArrowheads="1"/>
+          </p:cNvPicPr>
+          <p:nvPr/>
+        </p:nvPicPr>
+        <p:blipFill>
+          <a:blip r:embed="rId4">
+            <a:extLst>
+              <a:ext uri="{28A0092B-C50C-407E-A947-70E740481C1C}">
+                <a14:useLocalDpi xmlns:a14="http://schemas.microsoft.com/office/drawing/2010/main" val="0"/>
+              </a:ext>
+            </a:extLst>
+          </a:blip>
+          <a:srcRect/>
+          <a:stretch>
+            <a:fillRect/>
+          </a:stretch>
+        </p:blipFill>
+        <p:spPr bwMode="auto">
+          <a:xfrm>
+            <a:off x="1043608" y="2715766"/>
+            <a:ext cx="1914525" cy="1533526"/>
+          </a:xfrm>
+          <a:prstGeom prst="rect">
+            <a:avLst/>
+          </a:prstGeom>
+          <a:noFill/>
+          <a:extLst>
+            <a:ext uri="{909E8E84-426E-40DD-AFC4-6F175D3DCCD1}">
+              <a14:hiddenFill xmlns:a14="http://schemas.microsoft.com/office/drawing/2010/main">
+                <a:solidFill>
+                  <a:srgbClr val="FFFFFF"/>
+                </a:solidFill>
+              </a14:hiddenFill>
+            </a:ext>
+          </a:extLst>
+        </p:spPr>
+      </p:pic>
+      <p:pic>
+        <p:nvPicPr>
+          <p:cNvPr id="1034" name="Picture 10" descr="GitHub - marek-saji/git-przewodnik: Przewodnik po Gicie. Na chwilę obecną  dość chaotyczny."/>
+          <p:cNvPicPr>
+            <a:picLocks noChangeAspect="1" noChangeArrowheads="1"/>
+          </p:cNvPicPr>
+          <p:nvPr/>
+        </p:nvPicPr>
+        <p:blipFill>
+          <a:blip r:embed="rId5" cstate="print">
+            <a:extLst>
+              <a:ext uri="{28A0092B-C50C-407E-A947-70E740481C1C}">
+                <a14:useLocalDpi xmlns:a14="http://schemas.microsoft.com/office/drawing/2010/main" val="0"/>
+              </a:ext>
+            </a:extLst>
+          </a:blip>
+          <a:srcRect/>
+          <a:stretch>
+            <a:fillRect/>
+          </a:stretch>
+        </p:blipFill>
+        <p:spPr bwMode="auto">
+          <a:xfrm>
+            <a:off x="3203848" y="435194"/>
+            <a:ext cx="1610966" cy="672711"/>
           </a:xfrm>
           <a:prstGeom prst="rect">
             <a:avLst/>
@@ -8015,7 +9913,7 @@
     </p:spTree>
     <p:extLst>
       <p:ext uri="{BB962C8B-B14F-4D97-AF65-F5344CB8AC3E}">
-        <p14:creationId xmlns:p14="http://schemas.microsoft.com/office/powerpoint/2010/main" val="2083234174"/>
+        <p14:creationId xmlns:p14="http://schemas.microsoft.com/office/powerpoint/2010/main" val="2866295409"/>
       </p:ext>
     </p:extLst>
   </p:cSld>
